--- a/Presentation/Защита СИГ.pptx
+++ b/Presentation/Защита СИГ.pptx
@@ -14,17 +14,17 @@
     <p:sldId id="256" r:id="rId2"/>
     <p:sldId id="257" r:id="rId3"/>
     <p:sldId id="258" r:id="rId4"/>
-    <p:sldId id="259" r:id="rId5"/>
-    <p:sldId id="260" r:id="rId6"/>
-    <p:sldId id="262" r:id="rId7"/>
-    <p:sldId id="263" r:id="rId8"/>
-    <p:sldId id="264" r:id="rId9"/>
-    <p:sldId id="265" r:id="rId10"/>
-    <p:sldId id="266" r:id="rId11"/>
-    <p:sldId id="267" r:id="rId12"/>
-    <p:sldId id="270" r:id="rId13"/>
-    <p:sldId id="269" r:id="rId14"/>
-    <p:sldId id="268" r:id="rId15"/>
+    <p:sldId id="271" r:id="rId5"/>
+    <p:sldId id="272" r:id="rId6"/>
+    <p:sldId id="273" r:id="rId7"/>
+    <p:sldId id="274" r:id="rId8"/>
+    <p:sldId id="275" r:id="rId9"/>
+    <p:sldId id="276" r:id="rId10"/>
+    <p:sldId id="277" r:id="rId11"/>
+    <p:sldId id="278" r:id="rId12"/>
+    <p:sldId id="262" r:id="rId13"/>
+    <p:sldId id="265" r:id="rId14"/>
+    <p:sldId id="270" r:id="rId15"/>
     <p:sldId id="261" r:id="rId16"/>
   </p:sldIdLst>
   <p:sldSz cx="12192000" cy="6858000"/>
@@ -128,6 +128,9 @@
     <p:ext uri="{EFAFB233-063F-42B5-8137-9DF3F51BA10A}">
       <p15:sldGuideLst xmlns:p15="http://schemas.microsoft.com/office/powerpoint/2012/main"/>
     </p:ext>
+    <p:ext uri="{2D200454-40CA-4A62-9FC3-DE9A4176ACB9}">
+      <p15:notesGuideLst xmlns:p15="http://schemas.microsoft.com/office/powerpoint/2012/main"/>
+    </p:ext>
   </p:extLst>
 </p:presentation>
 </file>
@@ -237,7 +240,7 @@
           <a:p>
             <a:fld id="{731AD4A1-72AC-47A3-8F41-76B92B813A21}" type="datetimeFigureOut">
               <a:rPr lang="ru-RU" smtClean="0"/>
-              <a:t>09.12.2024</a:t>
+              <a:t>04.05.2025</a:t>
             </a:fld>
             <a:endParaRPr lang="ru-RU"/>
           </a:p>
@@ -414,7 +417,7 @@
           <a:p>
             <a:fld id="{71312D6E-01C4-4418-A86C-7AD54D06657E}" type="datetimeFigureOut">
               <a:rPr lang="ru-RU" smtClean="0"/>
-              <a:t>09.12.2024</a:t>
+              <a:t>04.05.2025</a:t>
             </a:fld>
             <a:endParaRPr lang="ru-RU"/>
           </a:p>
@@ -977,7 +980,7 @@
             <a:pPr algn="r"/>
             <a:fld id="{BFA19409-53C8-4B85-AD4D-D428C93278AE}" type="datetime1">
               <a:rPr lang="en-US" smtClean="0"/>
-              <a:t>12/9/2024</a:t>
+              <a:t>5/4/2025</a:t>
             </a:fld>
             <a:endParaRPr lang="en-US"/>
           </a:p>
@@ -1298,7 +1301,7 @@
             <a:pPr algn="r"/>
             <a:fld id="{C21EF4C5-7EF8-48BD-A9AC-14DAB20CFB1F}" type="datetime1">
               <a:rPr lang="en-US" smtClean="0"/>
-              <a:t>12/9/2024</a:t>
+              <a:t>5/4/2025</a:t>
             </a:fld>
             <a:endParaRPr lang="en-US"/>
           </a:p>
@@ -1579,7 +1582,7 @@
             <a:pPr algn="r"/>
             <a:fld id="{C670C546-4BC7-49E2-92D2-0B43E4073A9D}" type="datetime1">
               <a:rPr lang="en-US" smtClean="0"/>
-              <a:t>12/9/2024</a:t>
+              <a:t>5/4/2025</a:t>
             </a:fld>
             <a:endParaRPr lang="en-US"/>
           </a:p>
@@ -1797,7 +1800,7 @@
             <a:pPr algn="r"/>
             <a:fld id="{31BD9E8A-A099-45B1-A338-E7ABD7B305FF}" type="datetime1">
               <a:rPr lang="en-US" smtClean="0"/>
-              <a:t>12/9/2024</a:t>
+              <a:t>5/4/2025</a:t>
             </a:fld>
             <a:endParaRPr lang="en-US"/>
           </a:p>
@@ -2134,7 +2137,7 @@
             <a:pPr algn="r"/>
             <a:fld id="{49970691-6C47-4198-8E0E-EFC12049978B}" type="datetime1">
               <a:rPr lang="en-US" smtClean="0"/>
-              <a:t>12/9/2024</a:t>
+              <a:t>5/4/2025</a:t>
             </a:fld>
             <a:endParaRPr lang="en-US"/>
           </a:p>
@@ -2506,7 +2509,7 @@
             <a:pPr algn="r"/>
             <a:fld id="{598D1233-424F-4AA4-8502-C364EB7600B0}" type="datetime1">
               <a:rPr lang="en-US" smtClean="0"/>
-              <a:t>12/9/2024</a:t>
+              <a:t>5/4/2025</a:t>
             </a:fld>
             <a:endParaRPr lang="en-US"/>
           </a:p>
@@ -2992,7 +2995,7 @@
             <a:pPr algn="r"/>
             <a:fld id="{B724C4C8-3BFC-4D16-9E3A-33D5AEE21C8D}" type="datetime1">
               <a:rPr lang="en-US" smtClean="0"/>
-              <a:t>12/9/2024</a:t>
+              <a:t>5/4/2025</a:t>
             </a:fld>
             <a:endParaRPr lang="en-US"/>
           </a:p>
@@ -3268,7 +3271,7 @@
             <a:pPr algn="r"/>
             <a:fld id="{B2A905A3-85C1-4834-9311-FBB8B19F211F}" type="datetime1">
               <a:rPr lang="en-US" smtClean="0"/>
-              <a:t>12/9/2024</a:t>
+              <a:t>5/4/2025</a:t>
             </a:fld>
             <a:endParaRPr lang="en-US"/>
           </a:p>
@@ -3488,7 +3491,7 @@
             <a:pPr algn="r"/>
             <a:fld id="{41E075AC-E8E7-402A-8115-86F1B2DABF57}" type="datetime1">
               <a:rPr lang="en-US" smtClean="0"/>
-              <a:t>12/9/2024</a:t>
+              <a:t>5/4/2025</a:t>
             </a:fld>
             <a:endParaRPr lang="en-US"/>
           </a:p>
@@ -3780,7 +3783,7 @@
             <a:pPr algn="r"/>
             <a:fld id="{D106049D-8769-4FA4-8188-4B38652FE0D3}" type="datetime1">
               <a:rPr lang="en-US" smtClean="0"/>
-              <a:t>12/9/2024</a:t>
+              <a:t>5/4/2025</a:t>
             </a:fld>
             <a:endParaRPr lang="en-US"/>
           </a:p>
@@ -4085,7 +4088,7 @@
             <a:pPr algn="r"/>
             <a:fld id="{CEB8FAD1-BF43-4A83-B88F-C2E8B3BCC7D3}" type="datetime1">
               <a:rPr lang="en-US" smtClean="0"/>
-              <a:t>12/9/2024</a:t>
+              <a:t>5/4/2025</a:t>
             </a:fld>
             <a:endParaRPr lang="en-US"/>
           </a:p>
@@ -4431,7 +4434,7 @@
             <a:pPr algn="r"/>
             <a:fld id="{23CAB8DE-3749-439E-83B2-5BDDD78CA22D}" type="datetime1">
               <a:rPr lang="en-US" smtClean="0"/>
-              <a:t>12/9/2024</a:t>
+              <a:t>5/4/2025</a:t>
             </a:fld>
             <a:endParaRPr lang="en-US" spc="50"/>
           </a:p>
@@ -5023,7 +5026,13 @@
   <p:cSld>
     <p:spTree>
       <p:nvGrpSpPr>
-        <p:cNvPr id="1" name=""/>
+        <p:cNvPr id="1" name="">
+          <a:extLst>
+            <a:ext uri="{FF2B5EF4-FFF2-40B4-BE49-F238E27FC236}">
+              <a16:creationId xmlns:a16="http://schemas.microsoft.com/office/drawing/2014/main" id="{B455969E-91E6-7100-B7AF-FB9B89881C48}"/>
+            </a:ext>
+          </a:extLst>
+        </p:cNvPr>
         <p:cNvGrpSpPr/>
         <p:nvPr/>
       </p:nvGrpSpPr>
@@ -5035,12 +5044,47 @@
           <a:chExt cx="0" cy="0"/>
         </a:xfrm>
       </p:grpSpPr>
+      <p:sp>
+        <p:nvSpPr>
+          <p:cNvPr id="2" name="Заголовок 1">
+            <a:extLst>
+              <a:ext uri="{FF2B5EF4-FFF2-40B4-BE49-F238E27FC236}">
+                <a16:creationId xmlns:a16="http://schemas.microsoft.com/office/drawing/2014/main" id="{880E9BE6-EEA8-FFDB-1F6B-639DA9B1301C}"/>
+              </a:ext>
+            </a:extLst>
+          </p:cNvPr>
+          <p:cNvSpPr>
+            <a:spLocks noGrp="1"/>
+          </p:cNvSpPr>
+          <p:nvPr>
+            <p:ph type="title"/>
+          </p:nvPr>
+        </p:nvSpPr>
+        <p:spPr>
+          <a:xfrm>
+            <a:off x="960120" y="317814"/>
+            <a:ext cx="10268712" cy="1700784"/>
+          </a:xfrm>
+        </p:spPr>
+        <p:txBody>
+          <a:bodyPr anchor="ctr">
+            <a:normAutofit/>
+          </a:bodyPr>
+          <a:lstStyle/>
+          <a:p>
+            <a:r>
+              <a:rPr lang="ru-RU" dirty="0"/>
+              <a:t>Контроллер ПР200</a:t>
+            </a:r>
+          </a:p>
+        </p:txBody>
+      </p:sp>
       <p:pic>
         <p:nvPicPr>
-          <p:cNvPr id="4" name="Рисунок 3" descr="Изображение выглядит как текст, снимок экрана, Шрифт, число&#10;&#10;Автоматически созданное описание">
-            <a:extLst>
-              <a:ext uri="{FF2B5EF4-FFF2-40B4-BE49-F238E27FC236}">
-                <a16:creationId xmlns:a16="http://schemas.microsoft.com/office/drawing/2014/main" id="{2DC16588-5C92-14E5-FA64-851E310502DC}"/>
+          <p:cNvPr id="4" name="Рисунок 3">
+            <a:extLst>
+              <a:ext uri="{FF2B5EF4-FFF2-40B4-BE49-F238E27FC236}">
+                <a16:creationId xmlns:a16="http://schemas.microsoft.com/office/drawing/2014/main" id="{3A921B2A-4203-FC58-E215-CF86D0828C3D}"/>
               </a:ext>
             </a:extLst>
           </p:cNvPr>
@@ -5050,67 +5094,50 @@
           <p:nvPr/>
         </p:nvPicPr>
         <p:blipFill>
-          <a:blip r:embed="rId2"/>
+          <a:blip r:embed="rId2" cstate="print">
+            <a:extLst>
+              <a:ext uri="{28A0092B-C50C-407E-A947-70E740481C1C}">
+                <a14:useLocalDpi xmlns:a14="http://schemas.microsoft.com/office/drawing/2010/main" val="0"/>
+              </a:ext>
+            </a:extLst>
+          </a:blip>
+          <a:srcRect/>
           <a:stretch>
             <a:fillRect/>
           </a:stretch>
         </p:blipFill>
-        <p:spPr>
+        <p:spPr bwMode="auto">
           <a:xfrm>
-            <a:off x="320744" y="3727"/>
-            <a:ext cx="11550511" cy="6861589"/>
+            <a:off x="2292973" y="2099814"/>
+            <a:ext cx="7606054" cy="4758186"/>
           </a:xfrm>
           <a:prstGeom prst="rect">
             <a:avLst/>
           </a:prstGeom>
+          <a:noFill/>
+          <a:ln>
+            <a:noFill/>
+          </a:ln>
         </p:spPr>
       </p:pic>
-      <p:sp>
-        <p:nvSpPr>
-          <p:cNvPr id="2" name="Номер слайда 1">
-            <a:extLst>
-              <a:ext uri="{FF2B5EF4-FFF2-40B4-BE49-F238E27FC236}">
-                <a16:creationId xmlns:a16="http://schemas.microsoft.com/office/drawing/2014/main" id="{EEB1FE67-B41E-07D2-CEEF-53D545050E53}"/>
-              </a:ext>
-            </a:extLst>
-          </p:cNvPr>
-          <p:cNvSpPr>
-            <a:spLocks noGrp="1"/>
-          </p:cNvSpPr>
-          <p:nvPr>
-            <p:ph type="sldNum" sz="quarter" idx="12"/>
-          </p:nvPr>
-        </p:nvSpPr>
-        <p:spPr>
-          <a:xfrm>
-            <a:off x="11725200" y="6356350"/>
-            <a:ext cx="932688" cy="365125"/>
-          </a:xfrm>
-        </p:spPr>
-        <p:txBody>
-          <a:bodyPr/>
-          <a:lstStyle/>
-          <a:p>
-            <a:pPr algn="l"/>
-            <a:fld id="{F97E8200-1950-409B-82E7-99938E7AE355}" type="slidenum">
-              <a:rPr lang="en-US" smtClean="0"/>
-              <a:pPr algn="l"/>
-              <a:t>10</a:t>
-            </a:fld>
-            <a:endParaRPr lang="en-US" dirty="0"/>
-          </a:p>
-        </p:txBody>
-      </p:sp>
     </p:spTree>
     <p:extLst>
       <p:ext uri="{BB962C8B-B14F-4D97-AF65-F5344CB8AC3E}">
-        <p14:creationId xmlns:p14="http://schemas.microsoft.com/office/powerpoint/2010/main" val="354997210"/>
+        <p14:creationId xmlns:p14="http://schemas.microsoft.com/office/powerpoint/2010/main" val="184914078"/>
       </p:ext>
     </p:extLst>
   </p:cSld>
   <p:clrMapOvr>
     <a:masterClrMapping/>
   </p:clrMapOvr>
+  <mc:AlternateContent xmlns:mc="http://schemas.openxmlformats.org/markup-compatibility/2006">
+    <mc:Choice xmlns:p14="http://schemas.microsoft.com/office/powerpoint/2010/main" Requires="p14">
+      <p:transition p14:dur="10"/>
+    </mc:Choice>
+    <mc:Fallback>
+      <p:transition/>
+    </mc:Fallback>
+  </mc:AlternateContent>
 </p:sld>
 </file>
 
@@ -5119,7 +5146,13 @@
   <p:cSld>
     <p:spTree>
       <p:nvGrpSpPr>
-        <p:cNvPr id="1" name=""/>
+        <p:cNvPr id="1" name="">
+          <a:extLst>
+            <a:ext uri="{FF2B5EF4-FFF2-40B4-BE49-F238E27FC236}">
+              <a16:creationId xmlns:a16="http://schemas.microsoft.com/office/drawing/2014/main" id="{C2FD4383-4A2D-E72E-9D40-C2BD0FA0EE42}"/>
+            </a:ext>
+          </a:extLst>
+        </p:cNvPr>
         <p:cNvGrpSpPr/>
         <p:nvPr/>
       </p:nvGrpSpPr>
@@ -5131,12 +5164,47 @@
           <a:chExt cx="0" cy="0"/>
         </a:xfrm>
       </p:grpSpPr>
+      <p:sp>
+        <p:nvSpPr>
+          <p:cNvPr id="2" name="Заголовок 1">
+            <a:extLst>
+              <a:ext uri="{FF2B5EF4-FFF2-40B4-BE49-F238E27FC236}">
+                <a16:creationId xmlns:a16="http://schemas.microsoft.com/office/drawing/2014/main" id="{E1B6B1C2-ACC4-EE63-FC84-34C3D61F8646}"/>
+              </a:ext>
+            </a:extLst>
+          </p:cNvPr>
+          <p:cNvSpPr>
+            <a:spLocks noGrp="1"/>
+          </p:cNvSpPr>
+          <p:nvPr>
+            <p:ph type="title"/>
+          </p:nvPr>
+        </p:nvSpPr>
+        <p:spPr>
+          <a:xfrm>
+            <a:off x="960120" y="317814"/>
+            <a:ext cx="10268712" cy="1700784"/>
+          </a:xfrm>
+        </p:spPr>
+        <p:txBody>
+          <a:bodyPr anchor="ctr">
+            <a:normAutofit fontScale="90000"/>
+          </a:bodyPr>
+          <a:lstStyle/>
+          <a:p>
+            <a:r>
+              <a:rPr lang="ru-RU" dirty="0"/>
+              <a:t>Пневмогидравлическая схема СИГ</a:t>
+            </a:r>
+          </a:p>
+        </p:txBody>
+      </p:sp>
       <p:pic>
         <p:nvPicPr>
-          <p:cNvPr id="2" name="Рисунок 1" descr="Изображение выглядит как текст, снимок экрана, Шрифт, число&#10;&#10;Автоматически созданное описание">
-            <a:extLst>
-              <a:ext uri="{FF2B5EF4-FFF2-40B4-BE49-F238E27FC236}">
-                <a16:creationId xmlns:a16="http://schemas.microsoft.com/office/drawing/2014/main" id="{AA38D3A4-4F3F-6BF6-6983-37BA11FB1107}"/>
+          <p:cNvPr id="3" name="Рисунок 2">
+            <a:extLst>
+              <a:ext uri="{FF2B5EF4-FFF2-40B4-BE49-F238E27FC236}">
+                <a16:creationId xmlns:a16="http://schemas.microsoft.com/office/drawing/2014/main" id="{460225AB-38D7-B3E0-3EB1-2C4851EDB0B4}"/>
               </a:ext>
             </a:extLst>
           </p:cNvPr>
@@ -5146,61 +5214,36 @@
           <p:nvPr/>
         </p:nvPicPr>
         <p:blipFill>
-          <a:blip r:embed="rId2"/>
+          <a:blip r:embed="rId2">
+            <a:extLst>
+              <a:ext uri="{28A0092B-C50C-407E-A947-70E740481C1C}">
+                <a14:useLocalDpi xmlns:a14="http://schemas.microsoft.com/office/drawing/2010/main" val="0"/>
+              </a:ext>
+            </a:extLst>
+          </a:blip>
+          <a:srcRect/>
           <a:stretch>
             <a:fillRect/>
           </a:stretch>
         </p:blipFill>
-        <p:spPr>
+        <p:spPr bwMode="auto">
           <a:xfrm>
-            <a:off x="379205" y="5246"/>
-            <a:ext cx="11422545" cy="6847508"/>
+            <a:off x="2548974" y="2469132"/>
+            <a:ext cx="7094051" cy="4249391"/>
           </a:xfrm>
           <a:prstGeom prst="rect">
             <a:avLst/>
           </a:prstGeom>
+          <a:noFill/>
+          <a:ln>
+            <a:noFill/>
+          </a:ln>
         </p:spPr>
       </p:pic>
-      <p:sp>
-        <p:nvSpPr>
-          <p:cNvPr id="3" name="Номер слайда 2">
-            <a:extLst>
-              <a:ext uri="{FF2B5EF4-FFF2-40B4-BE49-F238E27FC236}">
-                <a16:creationId xmlns:a16="http://schemas.microsoft.com/office/drawing/2014/main" id="{67DED142-827C-55D2-8B0F-43B038ED1D0A}"/>
-              </a:ext>
-            </a:extLst>
-          </p:cNvPr>
-          <p:cNvSpPr>
-            <a:spLocks noGrp="1"/>
-          </p:cNvSpPr>
-          <p:nvPr>
-            <p:ph type="sldNum" sz="quarter" idx="12"/>
-          </p:nvPr>
-        </p:nvSpPr>
-        <p:spPr>
-          <a:xfrm>
-            <a:off x="11725200" y="6356350"/>
-            <a:ext cx="932688" cy="365125"/>
-          </a:xfrm>
-        </p:spPr>
-        <p:txBody>
-          <a:bodyPr/>
-          <a:lstStyle/>
-          <a:p>
-            <a:pPr algn="l"/>
-            <a:fld id="{F97E8200-1950-409B-82E7-99938E7AE355}" type="slidenum">
-              <a:rPr lang="en-US" smtClean="0"/>
-              <a:pPr algn="l"/>
-              <a:t>11</a:t>
-            </a:fld>
-            <a:endParaRPr lang="en-US" dirty="0"/>
-          </a:p>
-        </p:txBody>
-      </p:sp>
     </p:spTree>
     <p:extLst>
       <p:ext uri="{BB962C8B-B14F-4D97-AF65-F5344CB8AC3E}">
-        <p14:creationId xmlns:p14="http://schemas.microsoft.com/office/powerpoint/2010/main" val="1332178534"/>
+        <p14:creationId xmlns:p14="http://schemas.microsoft.com/office/powerpoint/2010/main" val="338616964"/>
       </p:ext>
     </p:extLst>
   </p:cSld>
@@ -5229,10 +5272,10 @@
       </p:grpSpPr>
       <p:sp>
         <p:nvSpPr>
-          <p:cNvPr id="6" name="Title 1">
-            <a:extLst>
-              <a:ext uri="{FF2B5EF4-FFF2-40B4-BE49-F238E27FC236}">
-                <a16:creationId xmlns:a16="http://schemas.microsoft.com/office/drawing/2014/main" id="{49D9FFD8-B195-9D9F-AD89-B5CB4A614A2C}"/>
+          <p:cNvPr id="2" name="Заголовок 1">
+            <a:extLst>
+              <a:ext uri="{FF2B5EF4-FFF2-40B4-BE49-F238E27FC236}">
+                <a16:creationId xmlns:a16="http://schemas.microsoft.com/office/drawing/2014/main" id="{07191B99-6533-B504-14D8-0CDFC5AA0CDA}"/>
               </a:ext>
             </a:extLst>
           </p:cNvPr>
@@ -5243,37 +5286,24 @@
             <p:ph type="title"/>
           </p:nvPr>
         </p:nvSpPr>
-        <p:spPr>
-          <a:xfrm>
-            <a:off x="960120" y="317814"/>
-            <a:ext cx="10268712" cy="1700784"/>
-          </a:xfrm>
-        </p:spPr>
+        <p:spPr/>
         <p:txBody>
           <a:bodyPr/>
           <a:lstStyle/>
           <a:p>
             <a:r>
-              <a:rPr lang="en-US" dirty="0" err="1"/>
-              <a:t>Статический</a:t>
-            </a:r>
-            <a:r>
-              <a:rPr lang="en-US" dirty="0"/>
-              <a:t> </a:t>
-            </a:r>
-            <a:r>
-              <a:rPr lang="en-US" dirty="0" err="1"/>
-              <a:t>режим</a:t>
+              <a:rPr lang="ru-RU" dirty="0"/>
+              <a:t>Экраны на СП310</a:t>
             </a:r>
           </a:p>
         </p:txBody>
       </p:sp>
       <p:pic>
         <p:nvPicPr>
-          <p:cNvPr id="2" name="Рисунок 1" descr="Изображение выглядит как линия, диаграмма, текст, График&#10;&#10;Автоматически созданное описание">
-            <a:extLst>
-              <a:ext uri="{FF2B5EF4-FFF2-40B4-BE49-F238E27FC236}">
-                <a16:creationId xmlns:a16="http://schemas.microsoft.com/office/drawing/2014/main" id="{8FCF4792-5952-49E3-C337-CA950E8631CC}"/>
+          <p:cNvPr id="3" name="Рисунок 2" descr="Изображение выглядит как текст, диаграмма, снимок экрана, Шрифт&#10;&#10;Автоматически созданное описание">
+            <a:extLst>
+              <a:ext uri="{FF2B5EF4-FFF2-40B4-BE49-F238E27FC236}">
+                <a16:creationId xmlns:a16="http://schemas.microsoft.com/office/drawing/2014/main" id="{642016C5-F65D-94D3-E64F-693FADBC82C0}"/>
               </a:ext>
             </a:extLst>
           </p:cNvPr>
@@ -5284,14 +5314,13 @@
         </p:nvPicPr>
         <p:blipFill>
           <a:blip r:embed="rId2"/>
-          <a:stretch>
-            <a:fillRect/>
-          </a:stretch>
+          <a:srcRect t="13098" b="13098"/>
+          <a:stretch/>
         </p:blipFill>
         <p:spPr>
           <a:xfrm>
-            <a:off x="3132364" y="2309132"/>
-            <a:ext cx="5913665" cy="4430486"/>
+            <a:off x="805040" y="2418262"/>
+            <a:ext cx="10579651" cy="4311185"/>
           </a:xfrm>
           <a:prstGeom prst="rect">
             <a:avLst/>
@@ -5300,10 +5329,10 @@
       </p:pic>
       <p:sp>
         <p:nvSpPr>
-          <p:cNvPr id="3" name="Номер слайда 2">
-            <a:extLst>
-              <a:ext uri="{FF2B5EF4-FFF2-40B4-BE49-F238E27FC236}">
-                <a16:creationId xmlns:a16="http://schemas.microsoft.com/office/drawing/2014/main" id="{6542F95F-359A-4A80-C5A6-36E4076C3F7A}"/>
+          <p:cNvPr id="4" name="Номер слайда 3">
+            <a:extLst>
+              <a:ext uri="{FF2B5EF4-FFF2-40B4-BE49-F238E27FC236}">
+                <a16:creationId xmlns:a16="http://schemas.microsoft.com/office/drawing/2014/main" id="{76A37DD8-C563-3F3A-C94B-3492BC38F73D}"/>
               </a:ext>
             </a:extLst>
           </p:cNvPr>
@@ -5325,14 +5354,14 @@
               <a:pPr algn="l"/>
               <a:t>12</a:t>
             </a:fld>
-            <a:endParaRPr lang="en-US"/>
+            <a:endParaRPr lang="en-US" dirty="0"/>
           </a:p>
         </p:txBody>
       </p:sp>
     </p:spTree>
     <p:extLst>
       <p:ext uri="{BB962C8B-B14F-4D97-AF65-F5344CB8AC3E}">
-        <p14:creationId xmlns:p14="http://schemas.microsoft.com/office/powerpoint/2010/main" val="3124499808"/>
+        <p14:creationId xmlns:p14="http://schemas.microsoft.com/office/powerpoint/2010/main" val="2355089439"/>
       </p:ext>
     </p:extLst>
   </p:cSld>
@@ -5359,12 +5388,53 @@
           <a:chExt cx="0" cy="0"/>
         </a:xfrm>
       </p:grpSpPr>
+      <p:sp>
+        <p:nvSpPr>
+          <p:cNvPr id="6" name="Title 1">
+            <a:extLst>
+              <a:ext uri="{FF2B5EF4-FFF2-40B4-BE49-F238E27FC236}">
+                <a16:creationId xmlns:a16="http://schemas.microsoft.com/office/drawing/2014/main" id="{49D9FFD8-B195-9D9F-AD89-B5CB4A614A2C}"/>
+              </a:ext>
+            </a:extLst>
+          </p:cNvPr>
+          <p:cNvSpPr>
+            <a:spLocks noGrp="1"/>
+          </p:cNvSpPr>
+          <p:nvPr>
+            <p:ph type="title"/>
+          </p:nvPr>
+        </p:nvSpPr>
+        <p:spPr>
+          <a:xfrm>
+            <a:off x="960120" y="317814"/>
+            <a:ext cx="10268712" cy="1700784"/>
+          </a:xfrm>
+        </p:spPr>
+        <p:txBody>
+          <a:bodyPr/>
+          <a:lstStyle/>
+          <a:p>
+            <a:r>
+              <a:rPr lang="en-US" err="1"/>
+              <a:t>Циклический</a:t>
+            </a:r>
+            <a:r>
+              <a:rPr lang="en-US"/>
+              <a:t> </a:t>
+            </a:r>
+            <a:r>
+              <a:rPr lang="en-US" err="1"/>
+              <a:t>режим</a:t>
+            </a:r>
+          </a:p>
+        </p:txBody>
+      </p:sp>
       <p:pic>
         <p:nvPicPr>
-          <p:cNvPr id="2" name="Рисунок 1" descr="Изображение выглядит как текст, снимок экрана, Шрифт, число&#10;&#10;Автоматически созданное описание">
-            <a:extLst>
-              <a:ext uri="{FF2B5EF4-FFF2-40B4-BE49-F238E27FC236}">
-                <a16:creationId xmlns:a16="http://schemas.microsoft.com/office/drawing/2014/main" id="{118815FC-C461-2430-4D07-0AD93E1B8E0E}"/>
+          <p:cNvPr id="3" name="Рисунок 2" descr="Изображение выглядит как линия, диаграмма, График, Параллельный&#10;&#10;Автоматически созданное описание">
+            <a:extLst>
+              <a:ext uri="{FF2B5EF4-FFF2-40B4-BE49-F238E27FC236}">
+                <a16:creationId xmlns:a16="http://schemas.microsoft.com/office/drawing/2014/main" id="{203161F2-3174-18DB-7DCA-8195EDF83186}"/>
               </a:ext>
             </a:extLst>
           </p:cNvPr>
@@ -5375,14 +5445,13 @@
         </p:nvPicPr>
         <p:blipFill>
           <a:blip r:embed="rId2"/>
-          <a:stretch>
-            <a:fillRect/>
-          </a:stretch>
+          <a:srcRect l="5856" r="-147" b="195"/>
+          <a:stretch/>
         </p:blipFill>
         <p:spPr>
           <a:xfrm>
-            <a:off x="380724" y="483"/>
-            <a:ext cx="11430552" cy="6857033"/>
+            <a:off x="298580" y="2733869"/>
+            <a:ext cx="4285151" cy="3387493"/>
           </a:xfrm>
           <a:prstGeom prst="rect">
             <a:avLst/>
@@ -5391,10 +5460,10 @@
       </p:pic>
       <p:sp>
         <p:nvSpPr>
-          <p:cNvPr id="3" name="Номер слайда 2">
-            <a:extLst>
-              <a:ext uri="{FF2B5EF4-FFF2-40B4-BE49-F238E27FC236}">
-                <a16:creationId xmlns:a16="http://schemas.microsoft.com/office/drawing/2014/main" id="{DB168E75-7B7E-491F-8303-0298A6F31007}"/>
+          <p:cNvPr id="2" name="Номер слайда 1">
+            <a:extLst>
+              <a:ext uri="{FF2B5EF4-FFF2-40B4-BE49-F238E27FC236}">
+                <a16:creationId xmlns:a16="http://schemas.microsoft.com/office/drawing/2014/main" id="{1CB6B6F3-B6EB-9E52-7B67-68D829408FAC}"/>
               </a:ext>
             </a:extLst>
           </p:cNvPr>
@@ -5405,12 +5474,7 @@
             <p:ph type="sldNum" sz="quarter" idx="12"/>
           </p:nvPr>
         </p:nvSpPr>
-        <p:spPr>
-          <a:xfrm>
-            <a:off x="11725200" y="6356350"/>
-            <a:ext cx="932688" cy="365125"/>
-          </a:xfrm>
-        </p:spPr>
+        <p:spPr/>
         <p:txBody>
           <a:bodyPr/>
           <a:lstStyle/>
@@ -5425,10 +5489,51 @@
           </a:p>
         </p:txBody>
       </p:sp>
+      <p:pic>
+        <p:nvPicPr>
+          <p:cNvPr id="4" name="Рисунок 3">
+            <a:extLst>
+              <a:ext uri="{FF2B5EF4-FFF2-40B4-BE49-F238E27FC236}">
+                <a16:creationId xmlns:a16="http://schemas.microsoft.com/office/drawing/2014/main" id="{F1E5EFA3-35B9-E8F5-2FA6-321ADEF95A7B}"/>
+              </a:ext>
+            </a:extLst>
+          </p:cNvPr>
+          <p:cNvPicPr>
+            <a:picLocks noChangeAspect="1"/>
+          </p:cNvPicPr>
+          <p:nvPr/>
+        </p:nvPicPr>
+        <p:blipFill>
+          <a:blip r:embed="rId3" cstate="print">
+            <a:extLst>
+              <a:ext uri="{28A0092B-C50C-407E-A947-70E740481C1C}">
+                <a14:useLocalDpi xmlns:a14="http://schemas.microsoft.com/office/drawing/2010/main" val="0"/>
+              </a:ext>
+            </a:extLst>
+          </a:blip>
+          <a:srcRect/>
+          <a:stretch>
+            <a:fillRect/>
+          </a:stretch>
+        </p:blipFill>
+        <p:spPr bwMode="auto">
+          <a:xfrm>
+            <a:off x="4633329" y="2733869"/>
+            <a:ext cx="7092327" cy="3373352"/>
+          </a:xfrm>
+          <a:prstGeom prst="rect">
+            <a:avLst/>
+          </a:prstGeom>
+          <a:noFill/>
+          <a:ln>
+            <a:noFill/>
+          </a:ln>
+        </p:spPr>
+      </p:pic>
     </p:spTree>
     <p:extLst>
       <p:ext uri="{BB962C8B-B14F-4D97-AF65-F5344CB8AC3E}">
-        <p14:creationId xmlns:p14="http://schemas.microsoft.com/office/powerpoint/2010/main" val="412262008"/>
+        <p14:creationId xmlns:p14="http://schemas.microsoft.com/office/powerpoint/2010/main" val="2471638410"/>
       </p:ext>
     </p:extLst>
   </p:cSld>
@@ -5455,12 +5560,53 @@
           <a:chExt cx="0" cy="0"/>
         </a:xfrm>
       </p:grpSpPr>
+      <p:sp>
+        <p:nvSpPr>
+          <p:cNvPr id="6" name="Title 1">
+            <a:extLst>
+              <a:ext uri="{FF2B5EF4-FFF2-40B4-BE49-F238E27FC236}">
+                <a16:creationId xmlns:a16="http://schemas.microsoft.com/office/drawing/2014/main" id="{49D9FFD8-B195-9D9F-AD89-B5CB4A614A2C}"/>
+              </a:ext>
+            </a:extLst>
+          </p:cNvPr>
+          <p:cNvSpPr>
+            <a:spLocks noGrp="1"/>
+          </p:cNvSpPr>
+          <p:nvPr>
+            <p:ph type="title"/>
+          </p:nvPr>
+        </p:nvSpPr>
+        <p:spPr>
+          <a:xfrm>
+            <a:off x="960120" y="317814"/>
+            <a:ext cx="10268712" cy="1700784"/>
+          </a:xfrm>
+        </p:spPr>
+        <p:txBody>
+          <a:bodyPr/>
+          <a:lstStyle/>
+          <a:p>
+            <a:r>
+              <a:rPr lang="en-US" dirty="0" err="1"/>
+              <a:t>Статический</a:t>
+            </a:r>
+            <a:r>
+              <a:rPr lang="en-US" dirty="0"/>
+              <a:t> </a:t>
+            </a:r>
+            <a:r>
+              <a:rPr lang="en-US" dirty="0" err="1"/>
+              <a:t>режим</a:t>
+            </a:r>
+          </a:p>
+        </p:txBody>
+      </p:sp>
       <p:pic>
         <p:nvPicPr>
-          <p:cNvPr id="3" name="Рисунок 2" descr="Изображение выглядит как текст, снимок экрана, Шрифт, число&#10;&#10;Автоматически созданное описание">
-            <a:extLst>
-              <a:ext uri="{FF2B5EF4-FFF2-40B4-BE49-F238E27FC236}">
-                <a16:creationId xmlns:a16="http://schemas.microsoft.com/office/drawing/2014/main" id="{A44EA09E-A33B-1D30-9142-A5B60BB5A943}"/>
+          <p:cNvPr id="2" name="Рисунок 1" descr="Изображение выглядит как линия, диаграмма, текст, График&#10;&#10;Автоматически созданное описание">
+            <a:extLst>
+              <a:ext uri="{FF2B5EF4-FFF2-40B4-BE49-F238E27FC236}">
+                <a16:creationId xmlns:a16="http://schemas.microsoft.com/office/drawing/2014/main" id="{8FCF4792-5952-49E3-C337-CA950E8631CC}"/>
               </a:ext>
             </a:extLst>
           </p:cNvPr>
@@ -5477,8 +5623,8 @@
         </p:blipFill>
         <p:spPr>
           <a:xfrm>
-            <a:off x="387005" y="5246"/>
-            <a:ext cx="11406946" cy="6836465"/>
+            <a:off x="3132364" y="2309132"/>
+            <a:ext cx="5913665" cy="4430486"/>
           </a:xfrm>
           <a:prstGeom prst="rect">
             <a:avLst/>
@@ -5487,10 +5633,10 @@
       </p:pic>
       <p:sp>
         <p:nvSpPr>
-          <p:cNvPr id="2" name="Номер слайда 1">
-            <a:extLst>
-              <a:ext uri="{FF2B5EF4-FFF2-40B4-BE49-F238E27FC236}">
-                <a16:creationId xmlns:a16="http://schemas.microsoft.com/office/drawing/2014/main" id="{BCCE239F-B1D4-AA9E-6324-5898CE8CA9FB}"/>
+          <p:cNvPr id="3" name="Номер слайда 2">
+            <a:extLst>
+              <a:ext uri="{FF2B5EF4-FFF2-40B4-BE49-F238E27FC236}">
+                <a16:creationId xmlns:a16="http://schemas.microsoft.com/office/drawing/2014/main" id="{6542F95F-359A-4A80-C5A6-36E4076C3F7A}"/>
               </a:ext>
             </a:extLst>
           </p:cNvPr>
@@ -5501,12 +5647,7 @@
             <p:ph type="sldNum" sz="quarter" idx="12"/>
           </p:nvPr>
         </p:nvSpPr>
-        <p:spPr>
-          <a:xfrm>
-            <a:off x="11725200" y="6356350"/>
-            <a:ext cx="932688" cy="365125"/>
-          </a:xfrm>
-        </p:spPr>
+        <p:spPr/>
         <p:txBody>
           <a:bodyPr/>
           <a:lstStyle/>
@@ -5517,14 +5658,14 @@
               <a:pPr algn="l"/>
               <a:t>14</a:t>
             </a:fld>
-            <a:endParaRPr lang="en-US" dirty="0"/>
+            <a:endParaRPr lang="en-US"/>
           </a:p>
         </p:txBody>
       </p:sp>
     </p:spTree>
     <p:extLst>
       <p:ext uri="{BB962C8B-B14F-4D97-AF65-F5344CB8AC3E}">
-        <p14:creationId xmlns:p14="http://schemas.microsoft.com/office/powerpoint/2010/main" val="1343314765"/>
+        <p14:creationId xmlns:p14="http://schemas.microsoft.com/office/powerpoint/2010/main" val="3124499808"/>
       </p:ext>
     </p:extLst>
   </p:cSld>
@@ -5602,26 +5743,22 @@
           </a:bodyPr>
           <a:lstStyle/>
           <a:p>
-            <a:r>
-              <a:rPr lang="ru-RU"/>
-              <a:t>Была подтверждена актуальность проекта в условиях отсутствия удобных и доступных решений для данного вида испытаний.</a:t>
-            </a:r>
-          </a:p>
-          <a:p>
-            <a:r>
-              <a:rPr lang="ru-RU"/>
-              <a:t>На данный момент отсутствуют стенды с полностью аналогичным функционалом.</a:t>
-            </a:r>
-          </a:p>
-          <a:p>
-            <a:r>
-              <a:rPr lang="ru-RU">
-                <a:ea typeface="+mn-lt"/>
-                <a:cs typeface="+mn-lt"/>
+            <a:pPr algn="just">
+              <a:lnSpc>
+                <a:spcPct val="81000"/>
+              </a:lnSpc>
+            </a:pPr>
+            <a:r>
+              <a:rPr lang="ru-RU" sz="3600" dirty="0"/>
+              <a:t>В ходе научно исследовательской работы были разработаны и алгоритмы работы СИГ</a:t>
+            </a:r>
+            <a:r>
+              <a:rPr lang="ru-RU" sz="3600" dirty="0">
+                <a:latin typeface="Franklin Gothic Medium"/>
               </a:rPr>
-              <a:t>Для успешной реализации были поставлены задачи и составлен план работ, охватывающий текущий и следующий семестры.</a:t>
-            </a:r>
-            <a:endParaRPr lang="ru-RU"/>
+              <a:t>, рассмотрены устройства управления и измерения, а также были разработаны схемы подключения этих устройств.</a:t>
+            </a:r>
+            <a:endParaRPr lang="ru-RU" sz="3600" dirty="0"/>
           </a:p>
         </p:txBody>
       </p:sp>
@@ -5748,7 +5885,7 @@
         </p:spPr>
         <p:txBody>
           <a:bodyPr vert="horz" lIns="91440" tIns="45720" rIns="91440" bIns="45720" rtlCol="0" anchor="t">
-            <a:normAutofit lnSpcReduction="10000"/>
+            <a:normAutofit/>
           </a:bodyPr>
           <a:lstStyle/>
           <a:p>
@@ -5758,61 +5895,32 @@
               </a:lnSpc>
             </a:pPr>
             <a:r>
-              <a:rPr lang="ru-RU" dirty="0"/>
-              <a:t>Целью курсовой работы является </a:t>
-            </a:r>
-            <a:r>
-              <a:rPr lang="ru-RU" dirty="0">
-                <a:latin typeface="Franklin Gothic Medium"/>
-              </a:rPr>
-              <a:t>разработка программного обеспечения для системы управления стендом испытательным </a:t>
-            </a:r>
-            <a:r>
-              <a:rPr lang="ru-RU" dirty="0" err="1">
-                <a:latin typeface="Franklin Gothic Medium"/>
-              </a:rPr>
-              <a:t>гидробарическим</a:t>
-            </a:r>
-            <a:r>
-              <a:rPr lang="ru-RU" dirty="0">
-                <a:latin typeface="Franklin Gothic Medium"/>
-              </a:rPr>
-              <a:t> (СИГ).</a:t>
-            </a:r>
-          </a:p>
-          <a:p>
-            <a:pPr algn="just">
-              <a:lnSpc>
-                <a:spcPct val="81000"/>
-              </a:lnSpc>
-            </a:pPr>
-            <a:r>
-              <a:rPr lang="ru-RU" dirty="0">
-                <a:solidFill>
-                  <a:srgbClr val="000000"/>
-                </a:solidFill>
-                <a:latin typeface="Franklin Gothic Medium"/>
-                <a:ea typeface="Meiryo"/>
-              </a:rPr>
-              <a:t>Содержание презентации:</a:t>
-            </a:r>
+              <a:rPr lang="ru-RU" sz="2800" dirty="0"/>
+              <a:t>Целью научной исследовательской работы является</a:t>
+            </a:r>
+            <a:r>
+              <a:rPr lang="en-US" sz="2800" dirty="0"/>
+              <a:t>:</a:t>
+            </a:r>
+            <a:endParaRPr lang="ru-RU" sz="2800" dirty="0"/>
           </a:p>
           <a:p>
             <a:pPr marL="457200" indent="-457200" algn="just">
               <a:lnSpc>
                 <a:spcPct val="81000"/>
               </a:lnSpc>
+              <a:buFont typeface="Arial" panose="020B0604020202020204" pitchFamily="34" charset="0"/>
               <a:buChar char="•"/>
             </a:pPr>
             <a:r>
-              <a:rPr lang="ru-RU" dirty="0">
-                <a:solidFill>
-                  <a:srgbClr val="000000"/>
-                </a:solidFill>
+              <a:rPr lang="ru-RU" sz="2800" dirty="0"/>
+              <a:t>Разработка и анализ алгоритмов работы СИГ</a:t>
+            </a:r>
+            <a:r>
+              <a:rPr lang="ru-RU" sz="2800" dirty="0">
                 <a:latin typeface="Franklin Gothic Medium"/>
-                <a:ea typeface="Meiryo"/>
               </a:rPr>
-              <a:t>Актуальность разрабатываемой темы</a:t>
+              <a:t>.</a:t>
             </a:r>
           </a:p>
           <a:p>
@@ -5820,17 +5928,14 @@
               <a:lnSpc>
                 <a:spcPct val="81000"/>
               </a:lnSpc>
+              <a:buFont typeface="Arial" panose="020B0604020202020204" pitchFamily="34" charset="0"/>
               <a:buChar char="•"/>
             </a:pPr>
             <a:r>
-              <a:rPr lang="ru-RU" dirty="0">
-                <a:solidFill>
-                  <a:srgbClr val="000000"/>
-                </a:solidFill>
+              <a:rPr lang="ru-RU" sz="2800" dirty="0">
                 <a:latin typeface="Franklin Gothic Medium"/>
-                <a:ea typeface="Meiryo"/>
               </a:rPr>
-              <a:t>Анализ существующих аналогов</a:t>
+              <a:t>Исследование устройств управления и измерения.</a:t>
             </a:r>
           </a:p>
           <a:p>
@@ -5838,44 +5943,16 @@
               <a:lnSpc>
                 <a:spcPct val="81000"/>
               </a:lnSpc>
+              <a:buFont typeface="Arial" panose="020B0604020202020204" pitchFamily="34" charset="0"/>
               <a:buChar char="•"/>
             </a:pPr>
             <a:r>
-              <a:rPr lang="ru-RU" dirty="0">
-                <a:solidFill>
-                  <a:srgbClr val="000000"/>
-                </a:solidFill>
+              <a:rPr lang="ru-RU" sz="2800" dirty="0">
                 <a:latin typeface="Franklin Gothic Medium"/>
-                <a:ea typeface="Meiryo"/>
               </a:rPr>
-              <a:t>Цели и задачи курсовой работы</a:t>
-            </a:r>
-          </a:p>
-          <a:p>
-            <a:pPr marL="457200" indent="-457200" algn="just">
-              <a:lnSpc>
-                <a:spcPct val="81000"/>
-              </a:lnSpc>
-              <a:buChar char="•"/>
-            </a:pPr>
-            <a:r>
-              <a:rPr lang="ru-RU" dirty="0">
-                <a:solidFill>
-                  <a:srgbClr val="000000"/>
-                </a:solidFill>
-                <a:latin typeface="Franklin Gothic Medium"/>
-                <a:ea typeface="Meiryo"/>
-              </a:rPr>
-              <a:t>Вывод - перечень решенных в рамках курсовой работы задач</a:t>
-            </a:r>
-          </a:p>
-          <a:p>
-            <a:pPr>
-              <a:lnSpc>
-                <a:spcPct val="81000"/>
-              </a:lnSpc>
-            </a:pPr>
-            <a:endParaRPr lang="ru-RU" dirty="0"/>
+              <a:t>Обзор схемы взаимодействия и подключения устройств.</a:t>
+            </a:r>
+            <a:endParaRPr lang="ru-RU" sz="2800" dirty="0"/>
           </a:p>
           <a:p>
             <a:endParaRPr lang="ru-RU" dirty="0"/>
@@ -6010,17 +6087,17 @@
               <a:buChar char="•"/>
             </a:pPr>
             <a:r>
-              <a:rPr lang="ru-RU" sz="2400"/>
+              <a:rPr lang="ru-RU" sz="2400" dirty="0"/>
               <a:t>Необходимость тестировать оборудование, работающее под высоким давлением.</a:t>
             </a:r>
-            <a:endParaRPr lang="ru-RU"/>
+            <a:endParaRPr lang="ru-RU" dirty="0"/>
           </a:p>
           <a:p>
             <a:pPr marL="457200" indent="-457200" algn="just">
               <a:buChar char="•"/>
             </a:pPr>
             <a:r>
-              <a:rPr lang="ru-RU" sz="2400"/>
+              <a:rPr lang="ru-RU" sz="2400" dirty="0"/>
               <a:t>Отсутствие автоматизированных решений на территории СПб.</a:t>
             </a:r>
           </a:p>
@@ -6029,7 +6106,7 @@
               <a:buChar char="•"/>
             </a:pPr>
             <a:r>
-              <a:rPr lang="ru-RU" sz="2400"/>
+              <a:rPr lang="ru-RU" sz="2400" dirty="0"/>
               <a:t>Избыточность существующих решений на рынке</a:t>
             </a:r>
           </a:p>
@@ -6038,8 +6115,8 @@
               <a:buChar char="•"/>
             </a:pPr>
             <a:r>
-              <a:rPr lang="ru-RU" sz="2400"/>
-              <a:t>Работа выполняется для компании НПО "Прибор".</a:t>
+              <a:rPr lang="ru-RU" sz="2400" dirty="0"/>
+              <a:t>Работа выполняется для компании АО «НПО «Прибор».</a:t>
             </a:r>
           </a:p>
         </p:txBody>
@@ -6092,7 +6169,13 @@
   <p:cSld>
     <p:spTree>
       <p:nvGrpSpPr>
-        <p:cNvPr id="1" name=""/>
+        <p:cNvPr id="1" name="">
+          <a:extLst>
+            <a:ext uri="{FF2B5EF4-FFF2-40B4-BE49-F238E27FC236}">
+              <a16:creationId xmlns:a16="http://schemas.microsoft.com/office/drawing/2014/main" id="{C495934A-AA82-7E67-E062-36C0B4E27539}"/>
+            </a:ext>
+          </a:extLst>
+        </p:cNvPr>
         <p:cNvGrpSpPr/>
         <p:nvPr/>
       </p:nvGrpSpPr>
@@ -6109,7 +6192,7 @@
           <p:cNvPr id="2" name="Заголовок 1">
             <a:extLst>
               <a:ext uri="{FF2B5EF4-FFF2-40B4-BE49-F238E27FC236}">
-                <a16:creationId xmlns:a16="http://schemas.microsoft.com/office/drawing/2014/main" id="{3BBC2A4F-5AD5-0E47-4576-706FDF5BC1EE}"/>
+                <a16:creationId xmlns:a16="http://schemas.microsoft.com/office/drawing/2014/main" id="{381BF32B-3725-E35E-04BF-D056822BC92C}"/>
               </a:ext>
             </a:extLst>
           </p:cNvPr>
@@ -6120,115 +6203,69 @@
             <p:ph type="title"/>
           </p:nvPr>
         </p:nvSpPr>
-        <p:spPr/>
-        <p:txBody>
-          <a:bodyPr>
-            <a:normAutofit fontScale="90000"/>
-          </a:bodyPr>
-          <a:lstStyle/>
-          <a:p>
-            <a:r>
-              <a:rPr lang="ru-RU"/>
-              <a:t>Анализ существующих аналогов</a:t>
-            </a:r>
-          </a:p>
-        </p:txBody>
-      </p:sp>
-      <p:sp>
-        <p:nvSpPr>
-          <p:cNvPr id="3" name="Объект 2">
-            <a:extLst>
-              <a:ext uri="{FF2B5EF4-FFF2-40B4-BE49-F238E27FC236}">
-                <a16:creationId xmlns:a16="http://schemas.microsoft.com/office/drawing/2014/main" id="{8542F978-70C2-B2E7-5B11-088094F6FABF}"/>
-              </a:ext>
-            </a:extLst>
-          </p:cNvPr>
-          <p:cNvSpPr>
-            <a:spLocks noGrp="1"/>
-          </p:cNvSpPr>
-          <p:nvPr>
-            <p:ph idx="1"/>
-          </p:nvPr>
-        </p:nvSpPr>
-        <p:spPr/>
-        <p:txBody>
-          <a:bodyPr vert="horz" lIns="91440" tIns="45720" rIns="91440" bIns="45720" rtlCol="0" anchor="t">
+        <p:spPr>
+          <a:xfrm>
+            <a:off x="960120" y="317814"/>
+            <a:ext cx="10268712" cy="1700784"/>
+          </a:xfrm>
+        </p:spPr>
+        <p:txBody>
+          <a:bodyPr anchor="ctr">
             <a:normAutofit/>
           </a:bodyPr>
           <a:lstStyle/>
           <a:p>
-            <a:pPr marL="457200" indent="-457200" algn="just">
-              <a:buChar char="•"/>
-            </a:pPr>
-            <a:r>
-              <a:rPr lang="ru-RU" b="1" dirty="0">
-                <a:ea typeface="+mn-lt"/>
-                <a:cs typeface="+mn-lt"/>
-              </a:rPr>
-              <a:t>Hydrofab.ru </a:t>
-            </a:r>
-            <a:r>
-              <a:rPr lang="ru-RU" dirty="0">
-                <a:ea typeface="+mn-lt"/>
-                <a:cs typeface="+mn-lt"/>
-              </a:rPr>
-              <a:t>- занимаются разработкой стендов для гидравлических испытаний, однако все представленные модели не обладают автоматическим управлением.</a:t>
-            </a:r>
-            <a:endParaRPr lang="ru-RU" dirty="0"/>
-          </a:p>
-          <a:p>
-            <a:pPr marL="457200" indent="-457200" algn="just">
-              <a:buChar char="•"/>
-            </a:pPr>
-            <a:r>
-              <a:rPr lang="ru-RU" b="1" dirty="0"/>
-              <a:t>ЦНИИ Электроприбор</a:t>
-            </a:r>
             <a:r>
               <a:rPr lang="ru-RU" dirty="0"/>
-              <a:t> - предоставляют услуги по гидравлическим испытаниям, однако их оборудование рассчитано на большие емкости, чем необходимо при испытании баллонов а также отсутствует автоматическое управление.</a:t>
-            </a:r>
-          </a:p>
-          <a:p>
-            <a:endParaRPr lang="ru-RU" dirty="0"/>
-          </a:p>
-        </p:txBody>
-      </p:sp>
-      <p:sp>
-        <p:nvSpPr>
-          <p:cNvPr id="4" name="Номер слайда 3">
-            <a:extLst>
-              <a:ext uri="{FF2B5EF4-FFF2-40B4-BE49-F238E27FC236}">
-                <a16:creationId xmlns:a16="http://schemas.microsoft.com/office/drawing/2014/main" id="{9B4E6CB2-2150-321E-D398-136066765EF2}"/>
-              </a:ext>
-            </a:extLst>
-          </p:cNvPr>
-          <p:cNvSpPr>
-            <a:spLocks noGrp="1"/>
-          </p:cNvSpPr>
-          <p:nvPr>
-            <p:ph type="sldNum" sz="quarter" idx="12"/>
-          </p:nvPr>
-        </p:nvSpPr>
-        <p:spPr/>
-        <p:txBody>
-          <a:bodyPr/>
-          <a:lstStyle/>
-          <a:p>
-            <a:pPr algn="l"/>
-            <a:fld id="{F97E8200-1950-409B-82E7-99938E7AE355}" type="slidenum">
-              <a:rPr lang="en-US" smtClean="0"/>
-              <a:pPr algn="l"/>
-              <a:t>4</a:t>
-            </a:fld>
-            <a:endParaRPr lang="en-US" dirty="0"/>
-          </a:p>
-        </p:txBody>
-      </p:sp>
+              <a:t>Структурная схема СИГ</a:t>
+            </a:r>
+          </a:p>
+        </p:txBody>
+      </p:sp>
+      <p:pic>
+        <p:nvPicPr>
+          <p:cNvPr id="7" name="Рисунок 6">
+            <a:extLst>
+              <a:ext uri="{FF2B5EF4-FFF2-40B4-BE49-F238E27FC236}">
+                <a16:creationId xmlns:a16="http://schemas.microsoft.com/office/drawing/2014/main" id="{2226FFBB-F1C0-021B-9011-30DD00FF5C4E}"/>
+              </a:ext>
+            </a:extLst>
+          </p:cNvPr>
+          <p:cNvPicPr>
+            <a:picLocks noChangeAspect="1"/>
+          </p:cNvPicPr>
+          <p:nvPr/>
+        </p:nvPicPr>
+        <p:blipFill>
+          <a:blip r:embed="rId2">
+            <a:extLst>
+              <a:ext uri="{28A0092B-C50C-407E-A947-70E740481C1C}">
+                <a14:useLocalDpi xmlns:a14="http://schemas.microsoft.com/office/drawing/2010/main" val="0"/>
+              </a:ext>
+            </a:extLst>
+          </a:blip>
+          <a:stretch>
+            <a:fillRect/>
+          </a:stretch>
+        </p:blipFill>
+        <p:spPr bwMode="auto">
+          <a:xfrm>
+            <a:off x="1489512" y="2448690"/>
+            <a:ext cx="9212976" cy="4091496"/>
+          </a:xfrm>
+          <a:prstGeom prst="rect">
+            <a:avLst/>
+          </a:prstGeom>
+          <a:noFill/>
+          <a:ln>
+            <a:noFill/>
+          </a:ln>
+        </p:spPr>
+      </p:pic>
     </p:spTree>
     <p:extLst>
       <p:ext uri="{BB962C8B-B14F-4D97-AF65-F5344CB8AC3E}">
-        <p14:creationId xmlns:p14="http://schemas.microsoft.com/office/powerpoint/2010/main" val="2060144138"/>
+        <p14:creationId xmlns:p14="http://schemas.microsoft.com/office/powerpoint/2010/main" val="3509092559"/>
       </p:ext>
     </p:extLst>
   </p:cSld>
@@ -6243,7 +6280,13 @@
   <p:cSld>
     <p:spTree>
       <p:nvGrpSpPr>
-        <p:cNvPr id="1" name=""/>
+        <p:cNvPr id="1" name="">
+          <a:extLst>
+            <a:ext uri="{FF2B5EF4-FFF2-40B4-BE49-F238E27FC236}">
+              <a16:creationId xmlns:a16="http://schemas.microsoft.com/office/drawing/2014/main" id="{121479DE-B2BF-7508-4E8A-94F7C9B3049F}"/>
+            </a:ext>
+          </a:extLst>
+        </p:cNvPr>
         <p:cNvGrpSpPr/>
         <p:nvPr/>
       </p:nvGrpSpPr>
@@ -6260,7 +6303,7 @@
           <p:cNvPr id="2" name="Заголовок 1">
             <a:extLst>
               <a:ext uri="{FF2B5EF4-FFF2-40B4-BE49-F238E27FC236}">
-                <a16:creationId xmlns:a16="http://schemas.microsoft.com/office/drawing/2014/main" id="{632B258B-03F1-96B5-FBF1-340541EAF35A}"/>
+                <a16:creationId xmlns:a16="http://schemas.microsoft.com/office/drawing/2014/main" id="{1F7CFAF3-FC6E-83D1-D201-0D01E9D9389E}"/>
               </a:ext>
             </a:extLst>
           </p:cNvPr>
@@ -6271,122 +6314,69 @@
             <p:ph type="title"/>
           </p:nvPr>
         </p:nvSpPr>
-        <p:spPr/>
-        <p:txBody>
-          <a:bodyPr/>
-          <a:lstStyle/>
-          <a:p>
-            <a:r>
-              <a:rPr lang="ru-RU"/>
-              <a:t>План работ</a:t>
-            </a:r>
-          </a:p>
-        </p:txBody>
-      </p:sp>
-      <p:sp>
-        <p:nvSpPr>
-          <p:cNvPr id="3" name="Объект 2">
-            <a:extLst>
-              <a:ext uri="{FF2B5EF4-FFF2-40B4-BE49-F238E27FC236}">
-                <a16:creationId xmlns:a16="http://schemas.microsoft.com/office/drawing/2014/main" id="{2E489088-49B3-ABCE-5AB8-AC2BA84C1B8D}"/>
-              </a:ext>
-            </a:extLst>
-          </p:cNvPr>
-          <p:cNvSpPr>
-            <a:spLocks noGrp="1"/>
-          </p:cNvSpPr>
-          <p:nvPr>
-            <p:ph idx="1"/>
-          </p:nvPr>
-        </p:nvSpPr>
-        <p:spPr/>
-        <p:txBody>
-          <a:bodyPr vert="horz" lIns="91440" tIns="45720" rIns="91440" bIns="45720" rtlCol="0" anchor="t">
+        <p:spPr>
+          <a:xfrm>
+            <a:off x="960120" y="317814"/>
+            <a:ext cx="10268712" cy="1700784"/>
+          </a:xfrm>
+        </p:spPr>
+        <p:txBody>
+          <a:bodyPr anchor="ctr">
             <a:normAutofit/>
           </a:bodyPr>
           <a:lstStyle/>
           <a:p>
-            <a:pPr marL="514350" indent="-514350">
-              <a:buAutoNum type="arabicPeriod"/>
-            </a:pPr>
-            <a:r>
-              <a:rPr lang="ru-RU"/>
-              <a:t>Реализация базовой структуры и ручного управления СИГ.</a:t>
-            </a:r>
-          </a:p>
-          <a:p>
-            <a:pPr marL="514350" indent="-514350">
-              <a:buAutoNum type="arabicPeriod"/>
-            </a:pPr>
-            <a:r>
-              <a:rPr lang="ru-RU"/>
-              <a:t>Построение модели, на основании данных с ручного режима управления.</a:t>
-            </a:r>
-          </a:p>
-          <a:p>
-            <a:pPr marL="514350" indent="-514350">
-              <a:buAutoNum type="arabicPeriod"/>
-            </a:pPr>
-            <a:r>
-              <a:rPr lang="ru-RU"/>
-              <a:t>Разработка автоматических режимов управление СИГ.</a:t>
-            </a:r>
-          </a:p>
-          <a:p>
-            <a:pPr marL="514350" indent="-514350">
-              <a:buAutoNum type="arabicPeriod"/>
-            </a:pPr>
-            <a:r>
-              <a:rPr lang="ru-RU"/>
-              <a:t>Поиск ошибок и тестирование автоматических режимов.</a:t>
-            </a:r>
-          </a:p>
-          <a:p>
-            <a:pPr marL="514350" indent="-514350">
-              <a:buAutoNum type="arabicPeriod"/>
-            </a:pPr>
-            <a:r>
-              <a:rPr lang="ru-RU"/>
-              <a:t>Разработка ПО для отображения полученных данных в ходе испытаний.</a:t>
-            </a:r>
-          </a:p>
-        </p:txBody>
-      </p:sp>
-      <p:sp>
-        <p:nvSpPr>
-          <p:cNvPr id="4" name="Номер слайда 3">
-            <a:extLst>
-              <a:ext uri="{FF2B5EF4-FFF2-40B4-BE49-F238E27FC236}">
-                <a16:creationId xmlns:a16="http://schemas.microsoft.com/office/drawing/2014/main" id="{2674943B-E683-F3CD-0FF7-359F3FF9DB99}"/>
-              </a:ext>
-            </a:extLst>
-          </p:cNvPr>
-          <p:cNvSpPr>
-            <a:spLocks noGrp="1"/>
-          </p:cNvSpPr>
-          <p:nvPr>
-            <p:ph type="sldNum" sz="quarter" idx="12"/>
-          </p:nvPr>
-        </p:nvSpPr>
-        <p:spPr/>
-        <p:txBody>
-          <a:bodyPr/>
-          <a:lstStyle/>
-          <a:p>
-            <a:pPr algn="l"/>
-            <a:fld id="{F97E8200-1950-409B-82E7-99938E7AE355}" type="slidenum">
-              <a:rPr lang="en-US" smtClean="0"/>
-              <a:pPr algn="l"/>
-              <a:t>5</a:t>
-            </a:fld>
-            <a:endParaRPr lang="en-US" dirty="0"/>
-          </a:p>
-        </p:txBody>
-      </p:sp>
+            <a:r>
+              <a:rPr lang="ru-RU" dirty="0"/>
+              <a:t>Схема подключения</a:t>
+            </a:r>
+          </a:p>
+        </p:txBody>
+      </p:sp>
+      <p:pic>
+        <p:nvPicPr>
+          <p:cNvPr id="4" name="Рисунок 3">
+            <a:extLst>
+              <a:ext uri="{FF2B5EF4-FFF2-40B4-BE49-F238E27FC236}">
+                <a16:creationId xmlns:a16="http://schemas.microsoft.com/office/drawing/2014/main" id="{2520CF1D-D9FD-1087-8E78-22322E66CC2D}"/>
+              </a:ext>
+            </a:extLst>
+          </p:cNvPr>
+          <p:cNvPicPr>
+            <a:picLocks noChangeAspect="1"/>
+          </p:cNvPicPr>
+          <p:nvPr/>
+        </p:nvPicPr>
+        <p:blipFill>
+          <a:blip r:embed="rId2">
+            <a:extLst>
+              <a:ext uri="{28A0092B-C50C-407E-A947-70E740481C1C}">
+                <a14:useLocalDpi xmlns:a14="http://schemas.microsoft.com/office/drawing/2010/main" val="0"/>
+              </a:ext>
+            </a:extLst>
+          </a:blip>
+          <a:stretch>
+            <a:fillRect/>
+          </a:stretch>
+        </p:blipFill>
+        <p:spPr bwMode="auto">
+          <a:xfrm>
+            <a:off x="1531373" y="2312502"/>
+            <a:ext cx="9129254" cy="3910234"/>
+          </a:xfrm>
+          <a:prstGeom prst="rect">
+            <a:avLst/>
+          </a:prstGeom>
+          <a:noFill/>
+          <a:ln>
+            <a:noFill/>
+          </a:ln>
+        </p:spPr>
+      </p:pic>
     </p:spTree>
     <p:extLst>
       <p:ext uri="{BB962C8B-B14F-4D97-AF65-F5344CB8AC3E}">
-        <p14:creationId xmlns:p14="http://schemas.microsoft.com/office/powerpoint/2010/main" val="1012245704"/>
+        <p14:creationId xmlns:p14="http://schemas.microsoft.com/office/powerpoint/2010/main" val="1928460171"/>
       </p:ext>
     </p:extLst>
   </p:cSld>
@@ -6401,7 +6391,13 @@
   <p:cSld>
     <p:spTree>
       <p:nvGrpSpPr>
-        <p:cNvPr id="1" name=""/>
+        <p:cNvPr id="1" name="">
+          <a:extLst>
+            <a:ext uri="{FF2B5EF4-FFF2-40B4-BE49-F238E27FC236}">
+              <a16:creationId xmlns:a16="http://schemas.microsoft.com/office/drawing/2014/main" id="{92C39DE9-9198-CC1C-CB18-F2FFE4032283}"/>
+            </a:ext>
+          </a:extLst>
+        </p:cNvPr>
         <p:cNvGrpSpPr/>
         <p:nvPr/>
       </p:nvGrpSpPr>
@@ -6418,7 +6414,7 @@
           <p:cNvPr id="2" name="Заголовок 1">
             <a:extLst>
               <a:ext uri="{FF2B5EF4-FFF2-40B4-BE49-F238E27FC236}">
-                <a16:creationId xmlns:a16="http://schemas.microsoft.com/office/drawing/2014/main" id="{07191B99-6533-B504-14D8-0CDFC5AA0CDA}"/>
+                <a16:creationId xmlns:a16="http://schemas.microsoft.com/office/drawing/2014/main" id="{008F1351-DCC4-8CE4-964A-FC0FE62042DA}"/>
               </a:ext>
             </a:extLst>
           </p:cNvPr>
@@ -6429,24 +6425,31 @@
             <p:ph type="title"/>
           </p:nvPr>
         </p:nvSpPr>
-        <p:spPr/>
-        <p:txBody>
-          <a:bodyPr/>
+        <p:spPr>
+          <a:xfrm>
+            <a:off x="960120" y="317814"/>
+            <a:ext cx="10268712" cy="1700784"/>
+          </a:xfrm>
+        </p:spPr>
+        <p:txBody>
+          <a:bodyPr anchor="ctr">
+            <a:normAutofit/>
+          </a:bodyPr>
           <a:lstStyle/>
           <a:p>
             <a:r>
-              <a:rPr lang="ru-RU"/>
-              <a:t>Алгоритм работы</a:t>
+              <a:rPr lang="ru-RU" dirty="0"/>
+              <a:t>Датчик давления ДП100</a:t>
             </a:r>
           </a:p>
         </p:txBody>
       </p:sp>
       <p:pic>
         <p:nvPicPr>
-          <p:cNvPr id="3" name="Рисунок 2" descr="Изображение выглядит как текст, диаграмма, снимок экрана, Шрифт&#10;&#10;Автоматически созданное описание">
-            <a:extLst>
-              <a:ext uri="{FF2B5EF4-FFF2-40B4-BE49-F238E27FC236}">
-                <a16:creationId xmlns:a16="http://schemas.microsoft.com/office/drawing/2014/main" id="{642016C5-F65D-94D3-E64F-693FADBC82C0}"/>
+          <p:cNvPr id="3" name="Рисунок 2" descr="ПД100 1х1 датчик преобразователь давления измерительный для насосных, котельных, водоснабжения, компрессоров">
+            <a:extLst>
+              <a:ext uri="{FF2B5EF4-FFF2-40B4-BE49-F238E27FC236}">
+                <a16:creationId xmlns:a16="http://schemas.microsoft.com/office/drawing/2014/main" id="{228F1146-0EC9-4EF7-8712-1A33712F4982}"/>
               </a:ext>
             </a:extLst>
           </p:cNvPr>
@@ -6456,61 +6459,358 @@
           <p:nvPr/>
         </p:nvPicPr>
         <p:blipFill>
-          <a:blip r:embed="rId2"/>
-          <a:srcRect t="13098" b="13098"/>
-          <a:stretch/>
+          <a:blip r:embed="rId2" cstate="print">
+            <a:extLst>
+              <a:ext uri="{28A0092B-C50C-407E-A947-70E740481C1C}">
+                <a14:useLocalDpi xmlns:a14="http://schemas.microsoft.com/office/drawing/2010/main" val="0"/>
+              </a:ext>
+            </a:extLst>
+          </a:blip>
+          <a:srcRect/>
+          <a:stretch>
+            <a:fillRect/>
+          </a:stretch>
         </p:blipFill>
-        <p:spPr>
+        <p:spPr bwMode="auto">
           <a:xfrm>
-            <a:off x="805040" y="2418262"/>
-            <a:ext cx="10579651" cy="4311185"/>
+            <a:off x="413191" y="2951426"/>
+            <a:ext cx="5681285" cy="3588760"/>
           </a:xfrm>
           <a:prstGeom prst="rect">
             <a:avLst/>
           </a:prstGeom>
+          <a:noFill/>
+          <a:ln>
+            <a:noFill/>
+          </a:ln>
         </p:spPr>
       </p:pic>
       <p:sp>
         <p:nvSpPr>
-          <p:cNvPr id="4" name="Номер слайда 3">
-            <a:extLst>
-              <a:ext uri="{FF2B5EF4-FFF2-40B4-BE49-F238E27FC236}">
-                <a16:creationId xmlns:a16="http://schemas.microsoft.com/office/drawing/2014/main" id="{76A37DD8-C563-3F3A-C94B-3492BC38F73D}"/>
-              </a:ext>
-            </a:extLst>
-          </p:cNvPr>
-          <p:cNvSpPr>
-            <a:spLocks noGrp="1"/>
-          </p:cNvSpPr>
-          <p:nvPr>
-            <p:ph type="sldNum" sz="quarter" idx="12"/>
-          </p:nvPr>
-        </p:nvSpPr>
-        <p:spPr/>
-        <p:txBody>
-          <a:bodyPr/>
+          <p:cNvPr id="5" name="Rectangle 1">
+            <a:extLst>
+              <a:ext uri="{FF2B5EF4-FFF2-40B4-BE49-F238E27FC236}">
+                <a16:creationId xmlns:a16="http://schemas.microsoft.com/office/drawing/2014/main" id="{1D2292A7-7EC0-4E29-01D6-8DCF02E0DFD4}"/>
+              </a:ext>
+            </a:extLst>
+          </p:cNvPr>
+          <p:cNvSpPr>
+            <a:spLocks noChangeArrowheads="1"/>
+          </p:cNvSpPr>
+          <p:nvPr/>
+        </p:nvSpPr>
+        <p:spPr bwMode="auto">
+          <a:xfrm>
+            <a:off x="5887296" y="2793006"/>
+            <a:ext cx="5891513" cy="3554819"/>
+          </a:xfrm>
+          <a:prstGeom prst="rect">
+            <a:avLst/>
+          </a:prstGeom>
+          <a:noFill/>
+          <a:ln>
+            <a:noFill/>
+          </a:ln>
+          <a:effectLst/>
+          <a:extLst>
+            <a:ext uri="{909E8E84-426E-40DD-AFC4-6F175D3DCCD1}">
+              <a14:hiddenFill xmlns:a14="http://schemas.microsoft.com/office/drawing/2010/main">
+                <a:solidFill>
+                  <a:schemeClr val="accent1"/>
+                </a:solidFill>
+              </a14:hiddenFill>
+            </a:ext>
+            <a:ext uri="{91240B29-F687-4F45-9708-019B960494DF}">
+              <a14:hiddenLine xmlns:a14="http://schemas.microsoft.com/office/drawing/2010/main" w="9525">
+                <a:solidFill>
+                  <a:schemeClr val="tx1"/>
+                </a:solidFill>
+                <a:miter lim="800000"/>
+                <a:headEnd/>
+                <a:tailEnd/>
+              </a14:hiddenLine>
+            </a:ext>
+            <a:ext uri="{AF507438-7753-43E0-B8FC-AC1667EBCBE1}">
+              <a14:hiddenEffects xmlns:a14="http://schemas.microsoft.com/office/drawing/2010/main">
+                <a:effectLst>
+                  <a:outerShdw dist="35921" dir="2700000" algn="ctr" rotWithShape="0">
+                    <a:schemeClr val="bg2"/>
+                  </a:outerShdw>
+                </a:effectLst>
+              </a14:hiddenEffects>
+            </a:ext>
+          </a:extLst>
+        </p:spPr>
+        <p:txBody>
+          <a:bodyPr vert="horz" wrap="square" lIns="91440" tIns="45720" rIns="91440" bIns="45720" numCol="1" anchor="ctr" anchorCtr="0" compatLnSpc="1">
+            <a:prstTxWarp prst="textNoShape">
+              <a:avLst/>
+            </a:prstTxWarp>
+            <a:spAutoFit/>
+          </a:bodyPr>
           <a:lstStyle/>
           <a:p>
-            <a:pPr algn="l"/>
-            <a:fld id="{F97E8200-1950-409B-82E7-99938E7AE355}" type="slidenum">
-              <a:rPr lang="en-US" smtClean="0"/>
-              <a:pPr algn="l"/>
-              <a:t>6</a:t>
-            </a:fld>
-            <a:endParaRPr lang="en-US" dirty="0"/>
+            <a:pPr marL="285750" marR="0" lvl="0" indent="-285750" algn="just" defTabSz="914400" rtl="0" eaLnBrk="0" fontAlgn="base" latinLnBrk="0" hangingPunct="0">
+              <a:lnSpc>
+                <a:spcPct val="100000"/>
+              </a:lnSpc>
+              <a:spcBef>
+                <a:spcPct val="0"/>
+              </a:spcBef>
+              <a:spcAft>
+                <a:spcPct val="0"/>
+              </a:spcAft>
+              <a:buClrTx/>
+              <a:buSzTx/>
+              <a:buFont typeface="Arial" panose="020B0604020202020204" pitchFamily="34" charset="0"/>
+              <a:buChar char="•"/>
+              <a:tabLst/>
+            </a:pPr>
+            <a:r>
+              <a:rPr kumimoji="0" lang="ru-RU" altLang="ru-RU" sz="2500" b="0" i="0" u="none" strike="noStrike" cap="none" normalizeH="0" baseline="0" dirty="0">
+                <a:ln>
+                  <a:noFill/>
+                </a:ln>
+                <a:solidFill>
+                  <a:schemeClr val="tx1"/>
+                </a:solidFill>
+                <a:effectLst/>
+                <a:ea typeface="Tahoma" panose="020B0604030504040204" pitchFamily="34" charset="0"/>
+                <a:cs typeface="Times New Roman" panose="02020603050405020304" pitchFamily="18" charset="0"/>
+              </a:rPr>
+              <a:t>Диапазон измерений: 0…40 МПа</a:t>
+            </a:r>
+          </a:p>
+          <a:p>
+            <a:pPr marL="285750" marR="0" lvl="0" indent="-285750" algn="just" defTabSz="914400" rtl="0" eaLnBrk="0" fontAlgn="base" latinLnBrk="0" hangingPunct="0">
+              <a:lnSpc>
+                <a:spcPct val="100000"/>
+              </a:lnSpc>
+              <a:spcBef>
+                <a:spcPct val="0"/>
+              </a:spcBef>
+              <a:spcAft>
+                <a:spcPct val="0"/>
+              </a:spcAft>
+              <a:buClrTx/>
+              <a:buSzTx/>
+              <a:buFont typeface="Arial" panose="020B0604020202020204" pitchFamily="34" charset="0"/>
+              <a:buChar char="•"/>
+              <a:tabLst/>
+            </a:pPr>
+            <a:r>
+              <a:rPr kumimoji="0" lang="ru-RU" altLang="ru-RU" sz="2500" b="0" i="0" u="none" strike="noStrike" cap="none" normalizeH="0" baseline="0" dirty="0">
+                <a:ln>
+                  <a:noFill/>
+                </a:ln>
+                <a:solidFill>
+                  <a:schemeClr val="tx1"/>
+                </a:solidFill>
+                <a:effectLst/>
+                <a:ea typeface="Tahoma" panose="020B0604030504040204" pitchFamily="34" charset="0"/>
+                <a:cs typeface="Times New Roman" panose="02020603050405020304" pitchFamily="18" charset="0"/>
+              </a:rPr>
+              <a:t>Выход: 4…20 мА (2-проводная петля), питание 12…36 В DC</a:t>
+            </a:r>
+          </a:p>
+          <a:p>
+            <a:pPr marL="285750" marR="0" lvl="0" indent="-285750" algn="just" defTabSz="914400" rtl="0" eaLnBrk="0" fontAlgn="base" latinLnBrk="0" hangingPunct="0">
+              <a:lnSpc>
+                <a:spcPct val="100000"/>
+              </a:lnSpc>
+              <a:spcBef>
+                <a:spcPct val="0"/>
+              </a:spcBef>
+              <a:spcAft>
+                <a:spcPct val="0"/>
+              </a:spcAft>
+              <a:buClrTx/>
+              <a:buSzTx/>
+              <a:buFont typeface="Arial" panose="020B0604020202020204" pitchFamily="34" charset="0"/>
+              <a:buChar char="•"/>
+              <a:tabLst/>
+            </a:pPr>
+            <a:r>
+              <a:rPr kumimoji="0" lang="ru-RU" altLang="ru-RU" sz="2500" b="0" i="0" u="none" strike="noStrike" cap="none" normalizeH="0" baseline="0" dirty="0">
+                <a:ln>
+                  <a:noFill/>
+                </a:ln>
+                <a:solidFill>
+                  <a:schemeClr val="tx1"/>
+                </a:solidFill>
+                <a:effectLst/>
+                <a:ea typeface="Tahoma" panose="020B0604030504040204" pitchFamily="34" charset="0"/>
+                <a:cs typeface="Times New Roman" panose="02020603050405020304" pitchFamily="18" charset="0"/>
+              </a:rPr>
+              <a:t>Точность: ± 0,5 %</a:t>
+            </a:r>
+          </a:p>
+          <a:p>
+            <a:pPr marL="285750" marR="0" lvl="0" indent="-285750" algn="just" defTabSz="914400" rtl="0" eaLnBrk="0" fontAlgn="base" latinLnBrk="0" hangingPunct="0">
+              <a:lnSpc>
+                <a:spcPct val="100000"/>
+              </a:lnSpc>
+              <a:spcBef>
+                <a:spcPct val="0"/>
+              </a:spcBef>
+              <a:spcAft>
+                <a:spcPct val="0"/>
+              </a:spcAft>
+              <a:buClrTx/>
+              <a:buSzTx/>
+              <a:buFont typeface="Arial" panose="020B0604020202020204" pitchFamily="34" charset="0"/>
+              <a:buChar char="•"/>
+              <a:tabLst/>
+            </a:pPr>
+            <a:r>
+              <a:rPr kumimoji="0" lang="ru-RU" altLang="ru-RU" sz="2500" b="0" i="0" u="none" strike="noStrike" cap="none" normalizeH="0" baseline="0" dirty="0">
+                <a:ln>
+                  <a:noFill/>
+                </a:ln>
+                <a:solidFill>
+                  <a:schemeClr val="tx1"/>
+                </a:solidFill>
+                <a:effectLst/>
+                <a:ea typeface="Tahoma" panose="020B0604030504040204" pitchFamily="34" charset="0"/>
+                <a:cs typeface="Times New Roman" panose="02020603050405020304" pitchFamily="18" charset="0"/>
+              </a:rPr>
+              <a:t>Рабочая </a:t>
+            </a:r>
+            <a:r>
+              <a:rPr kumimoji="0" lang="ru-RU" altLang="ru-RU" sz="2500" b="0" i="0" u="none" strike="noStrike" cap="none" normalizeH="0" baseline="0" dirty="0" err="1">
+                <a:ln>
+                  <a:noFill/>
+                </a:ln>
+                <a:solidFill>
+                  <a:schemeClr val="tx1"/>
+                </a:solidFill>
+                <a:effectLst/>
+                <a:ea typeface="Tahoma" panose="020B0604030504040204" pitchFamily="34" charset="0"/>
+                <a:cs typeface="Times New Roman" panose="02020603050405020304" pitchFamily="18" charset="0"/>
+              </a:rPr>
+              <a:t>Tсреды</a:t>
+            </a:r>
+            <a:r>
+              <a:rPr kumimoji="0" lang="ru-RU" altLang="ru-RU" sz="2500" b="0" i="0" u="none" strike="noStrike" cap="none" normalizeH="0" baseline="0" dirty="0">
+                <a:ln>
+                  <a:noFill/>
+                </a:ln>
+                <a:solidFill>
+                  <a:schemeClr val="tx1"/>
+                </a:solidFill>
+                <a:effectLst/>
+                <a:ea typeface="Tahoma" panose="020B0604030504040204" pitchFamily="34" charset="0"/>
+                <a:cs typeface="Times New Roman" panose="02020603050405020304" pitchFamily="18" charset="0"/>
+              </a:rPr>
+              <a:t>: –40…+100 °C</a:t>
+            </a:r>
+            <a:r>
+              <a:rPr kumimoji="0" lang="en-US" altLang="ru-RU" sz="2500" b="0" i="0" u="none" strike="noStrike" cap="none" normalizeH="0" baseline="0" dirty="0">
+                <a:ln>
+                  <a:noFill/>
+                </a:ln>
+                <a:solidFill>
+                  <a:schemeClr val="tx1"/>
+                </a:solidFill>
+                <a:effectLst/>
+                <a:ea typeface="Tahoma" panose="020B0604030504040204" pitchFamily="34" charset="0"/>
+                <a:cs typeface="Times New Roman" panose="02020603050405020304" pitchFamily="18" charset="0"/>
+              </a:rPr>
+              <a:t>.</a:t>
+            </a:r>
+            <a:endParaRPr kumimoji="0" lang="ru-RU" altLang="ru-RU" sz="2500" b="0" i="0" u="none" strike="noStrike" cap="none" normalizeH="0" baseline="0" dirty="0">
+              <a:ln>
+                <a:noFill/>
+              </a:ln>
+              <a:solidFill>
+                <a:schemeClr val="tx1"/>
+              </a:solidFill>
+              <a:effectLst/>
+              <a:ea typeface="Tahoma" panose="020B0604030504040204" pitchFamily="34" charset="0"/>
+              <a:cs typeface="Times New Roman" panose="02020603050405020304" pitchFamily="18" charset="0"/>
+            </a:endParaRPr>
+          </a:p>
+          <a:p>
+            <a:pPr marL="285750" marR="0" lvl="0" indent="-285750" algn="just" defTabSz="914400" rtl="0" eaLnBrk="0" fontAlgn="base" latinLnBrk="0" hangingPunct="0">
+              <a:lnSpc>
+                <a:spcPct val="100000"/>
+              </a:lnSpc>
+              <a:spcBef>
+                <a:spcPct val="0"/>
+              </a:spcBef>
+              <a:spcAft>
+                <a:spcPct val="0"/>
+              </a:spcAft>
+              <a:buClrTx/>
+              <a:buSzTx/>
+              <a:buFont typeface="Arial" panose="020B0604020202020204" pitchFamily="34" charset="0"/>
+              <a:buChar char="•"/>
+              <a:tabLst/>
+            </a:pPr>
+            <a:r>
+              <a:rPr kumimoji="0" lang="ru-RU" altLang="ru-RU" sz="2500" b="0" i="0" u="none" strike="noStrike" cap="none" normalizeH="0" baseline="0" dirty="0">
+                <a:ln>
+                  <a:noFill/>
+                </a:ln>
+                <a:solidFill>
+                  <a:schemeClr val="tx1"/>
+                </a:solidFill>
+                <a:effectLst/>
+                <a:ea typeface="Tahoma" panose="020B0604030504040204" pitchFamily="34" charset="0"/>
+                <a:cs typeface="Times New Roman" panose="02020603050405020304" pitchFamily="18" charset="0"/>
+              </a:rPr>
+              <a:t>Преимущества: широкий диапазон, стабильность нулевой точки, надёжная передача данных</a:t>
+            </a:r>
+          </a:p>
+          <a:p>
+            <a:pPr marL="0" marR="0" lvl="0" indent="0" algn="just" defTabSz="914400" rtl="0" eaLnBrk="0" fontAlgn="base" latinLnBrk="0" hangingPunct="0">
+              <a:lnSpc>
+                <a:spcPct val="100000"/>
+              </a:lnSpc>
+              <a:spcBef>
+                <a:spcPct val="0"/>
+              </a:spcBef>
+              <a:spcAft>
+                <a:spcPct val="0"/>
+              </a:spcAft>
+              <a:buClrTx/>
+              <a:buSzTx/>
+              <a:buFontTx/>
+              <a:buNone/>
+              <a:tabLst/>
+            </a:pPr>
+            <a:endParaRPr kumimoji="0" lang="ru-RU" altLang="ru-RU" sz="2500" b="0" i="0" u="none" strike="noStrike" cap="none" normalizeH="0" baseline="0" dirty="0">
+              <a:ln>
+                <a:noFill/>
+              </a:ln>
+              <a:solidFill>
+                <a:schemeClr val="tx1"/>
+              </a:solidFill>
+              <a:effectLst/>
+              <a:ea typeface="Tahoma" panose="020B0604030504040204" pitchFamily="34" charset="0"/>
+              <a:cs typeface="Times New Roman" panose="02020603050405020304" pitchFamily="18" charset="0"/>
+            </a:endParaRPr>
           </a:p>
         </p:txBody>
       </p:sp>
     </p:spTree>
     <p:extLst>
       <p:ext uri="{BB962C8B-B14F-4D97-AF65-F5344CB8AC3E}">
-        <p14:creationId xmlns:p14="http://schemas.microsoft.com/office/powerpoint/2010/main" val="2355089439"/>
+        <p14:creationId xmlns:p14="http://schemas.microsoft.com/office/powerpoint/2010/main" val="963579403"/>
       </p:ext>
     </p:extLst>
   </p:cSld>
   <p:clrMapOvr>
     <a:masterClrMapping/>
   </p:clrMapOvr>
+  <mc:AlternateContent xmlns:mc="http://schemas.openxmlformats.org/markup-compatibility/2006">
+    <mc:Choice xmlns:p14="http://schemas.microsoft.com/office/powerpoint/2010/main" Requires="p14">
+      <p:transition p14:dur="10"/>
+    </mc:Choice>
+    <mc:Fallback>
+      <p:transition/>
+    </mc:Fallback>
+  </mc:AlternateContent>
 </p:sld>
 </file>
 
@@ -6519,7 +6819,13 @@
   <p:cSld>
     <p:spTree>
       <p:nvGrpSpPr>
-        <p:cNvPr id="1" name=""/>
+        <p:cNvPr id="1" name="">
+          <a:extLst>
+            <a:ext uri="{FF2B5EF4-FFF2-40B4-BE49-F238E27FC236}">
+              <a16:creationId xmlns:a16="http://schemas.microsoft.com/office/drawing/2014/main" id="{4C0FDA46-0E78-CF13-A57B-C799039FB732}"/>
+            </a:ext>
+          </a:extLst>
+        </p:cNvPr>
         <p:cNvGrpSpPr/>
         <p:nvPr/>
       </p:nvGrpSpPr>
@@ -6536,40 +6842,990 @@
           <p:cNvPr id="2" name="Заголовок 1">
             <a:extLst>
               <a:ext uri="{FF2B5EF4-FFF2-40B4-BE49-F238E27FC236}">
-                <a16:creationId xmlns:a16="http://schemas.microsoft.com/office/drawing/2014/main" id="{76028D89-BF28-D5C3-909B-2E6F0D15724D}"/>
-              </a:ext>
-            </a:extLst>
-          </p:cNvPr>
-          <p:cNvSpPr>
-            <a:spLocks noGrp="1"/>
-          </p:cNvSpPr>
-          <p:nvPr>
-            <p:ph type="title" idx="4294967295"/>
+                <a16:creationId xmlns:a16="http://schemas.microsoft.com/office/drawing/2014/main" id="{CAA01C03-FD57-2AAD-FAEF-43E70877BDD2}"/>
+              </a:ext>
+            </a:extLst>
+          </p:cNvPr>
+          <p:cNvSpPr>
+            <a:spLocks noGrp="1"/>
+          </p:cNvSpPr>
+          <p:nvPr>
+            <p:ph type="title"/>
           </p:nvPr>
         </p:nvSpPr>
         <p:spPr>
           <a:xfrm>
-            <a:off x="0" y="317500"/>
-            <a:ext cx="10267950" cy="1701800"/>
+            <a:off x="960120" y="317814"/>
+            <a:ext cx="10268712" cy="1700784"/>
           </a:xfrm>
         </p:spPr>
         <p:txBody>
-          <a:bodyPr/>
+          <a:bodyPr anchor="ctr">
+            <a:normAutofit/>
+          </a:bodyPr>
           <a:lstStyle/>
           <a:p>
             <a:r>
-              <a:rPr lang="ru-RU"/>
-              <a:t>Выбор режима</a:t>
-            </a:r>
+              <a:rPr lang="ru-RU" dirty="0"/>
+              <a:t>Дисплей СП310-Б</a:t>
+            </a:r>
+          </a:p>
+        </p:txBody>
+      </p:sp>
+      <p:sp>
+        <p:nvSpPr>
+          <p:cNvPr id="5" name="Rectangle 1">
+            <a:extLst>
+              <a:ext uri="{FF2B5EF4-FFF2-40B4-BE49-F238E27FC236}">
+                <a16:creationId xmlns:a16="http://schemas.microsoft.com/office/drawing/2014/main" id="{57A8EF3F-621E-94B1-431A-0D762989E24F}"/>
+              </a:ext>
+            </a:extLst>
+          </p:cNvPr>
+          <p:cNvSpPr>
+            <a:spLocks noChangeArrowheads="1"/>
+          </p:cNvSpPr>
+          <p:nvPr/>
+        </p:nvSpPr>
+        <p:spPr bwMode="auto">
+          <a:xfrm>
+            <a:off x="339344" y="2400218"/>
+            <a:ext cx="5891513" cy="4324261"/>
+          </a:xfrm>
+          <a:prstGeom prst="rect">
+            <a:avLst/>
+          </a:prstGeom>
+          <a:noFill/>
+          <a:ln>
+            <a:noFill/>
+          </a:ln>
+          <a:effectLst/>
+          <a:extLst>
+            <a:ext uri="{909E8E84-426E-40DD-AFC4-6F175D3DCCD1}">
+              <a14:hiddenFill xmlns:a14="http://schemas.microsoft.com/office/drawing/2010/main">
+                <a:solidFill>
+                  <a:schemeClr val="accent1"/>
+                </a:solidFill>
+              </a14:hiddenFill>
+            </a:ext>
+            <a:ext uri="{91240B29-F687-4F45-9708-019B960494DF}">
+              <a14:hiddenLine xmlns:a14="http://schemas.microsoft.com/office/drawing/2010/main" w="9525">
+                <a:solidFill>
+                  <a:schemeClr val="tx1"/>
+                </a:solidFill>
+                <a:miter lim="800000"/>
+                <a:headEnd/>
+                <a:tailEnd/>
+              </a14:hiddenLine>
+            </a:ext>
+            <a:ext uri="{AF507438-7753-43E0-B8FC-AC1667EBCBE1}">
+              <a14:hiddenEffects xmlns:a14="http://schemas.microsoft.com/office/drawing/2010/main">
+                <a:effectLst>
+                  <a:outerShdw dist="35921" dir="2700000" algn="ctr" rotWithShape="0">
+                    <a:schemeClr val="bg2"/>
+                  </a:outerShdw>
+                </a:effectLst>
+              </a14:hiddenEffects>
+            </a:ext>
+          </a:extLst>
+        </p:spPr>
+        <p:txBody>
+          <a:bodyPr vert="horz" wrap="square" lIns="91440" tIns="45720" rIns="91440" bIns="45720" numCol="1" anchor="ctr" anchorCtr="0" compatLnSpc="1">
+            <a:prstTxWarp prst="textNoShape">
+              <a:avLst/>
+            </a:prstTxWarp>
+            <a:spAutoFit/>
+          </a:bodyPr>
+          <a:lstStyle/>
+          <a:p>
+            <a:pPr marL="284400" marR="0" lvl="0" indent="-284400" algn="just" defTabSz="914400" rtl="0" eaLnBrk="0" fontAlgn="base" latinLnBrk="0" hangingPunct="0">
+              <a:lnSpc>
+                <a:spcPct val="100000"/>
+              </a:lnSpc>
+              <a:spcBef>
+                <a:spcPct val="0"/>
+              </a:spcBef>
+              <a:spcAft>
+                <a:spcPct val="0"/>
+              </a:spcAft>
+              <a:buClrTx/>
+              <a:buSzTx/>
+              <a:buFont typeface="Arial" panose="020B0604020202020204" pitchFamily="34" charset="0"/>
+              <a:buChar char="•"/>
+              <a:tabLst/>
+            </a:pPr>
+            <a:r>
+              <a:rPr kumimoji="0" lang="ru-RU" altLang="ru-RU" sz="2500" b="0" i="0" u="none" strike="noStrike" cap="none" normalizeH="0" baseline="0" dirty="0">
+                <a:ln>
+                  <a:noFill/>
+                </a:ln>
+                <a:solidFill>
+                  <a:schemeClr val="tx1"/>
+                </a:solidFill>
+                <a:effectLst/>
+                <a:ea typeface="Tahoma" panose="020B0604030504040204" pitchFamily="34" charset="0"/>
+                <a:cs typeface="Times New Roman" panose="02020603050405020304" pitchFamily="18" charset="0"/>
+              </a:rPr>
+              <a:t>Основные: 10,1″ </a:t>
+            </a:r>
+            <a:r>
+              <a:rPr kumimoji="0" lang="en-GB" altLang="ru-RU" sz="2500" b="0" i="0" u="none" strike="noStrike" cap="none" normalizeH="0" baseline="0" dirty="0">
+                <a:ln>
+                  <a:noFill/>
+                </a:ln>
+                <a:solidFill>
+                  <a:schemeClr val="tx1"/>
+                </a:solidFill>
+                <a:effectLst/>
+                <a:ea typeface="Tahoma" panose="020B0604030504040204" pitchFamily="34" charset="0"/>
+                <a:cs typeface="Times New Roman" panose="02020603050405020304" pitchFamily="18" charset="0"/>
+              </a:rPr>
+              <a:t>TFT-LCD (1366×768)</a:t>
+            </a:r>
+            <a:endParaRPr kumimoji="0" lang="ru-RU" altLang="ru-RU" sz="2500" b="0" i="0" u="none" strike="noStrike" cap="none" normalizeH="0" baseline="0" dirty="0">
+              <a:ln>
+                <a:noFill/>
+              </a:ln>
+              <a:solidFill>
+                <a:schemeClr val="tx1"/>
+              </a:solidFill>
+              <a:effectLst/>
+              <a:ea typeface="Tahoma" panose="020B0604030504040204" pitchFamily="34" charset="0"/>
+              <a:cs typeface="Times New Roman" panose="02020603050405020304" pitchFamily="18" charset="0"/>
+            </a:endParaRPr>
+          </a:p>
+          <a:p>
+            <a:pPr marL="285750" marR="0" lvl="0" indent="-285750" algn="just" defTabSz="914400" rtl="0" eaLnBrk="0" fontAlgn="base" latinLnBrk="0" hangingPunct="0">
+              <a:lnSpc>
+                <a:spcPct val="100000"/>
+              </a:lnSpc>
+              <a:spcBef>
+                <a:spcPct val="0"/>
+              </a:spcBef>
+              <a:spcAft>
+                <a:spcPct val="0"/>
+              </a:spcAft>
+              <a:buClrTx/>
+              <a:buSzTx/>
+              <a:buFont typeface="Arial" panose="020B0604020202020204" pitchFamily="34" charset="0"/>
+              <a:buChar char="•"/>
+              <a:tabLst/>
+            </a:pPr>
+            <a:r>
+              <a:rPr kumimoji="0" lang="ru-RU" altLang="ru-RU" sz="2500" b="0" i="0" u="none" strike="noStrike" cap="none" normalizeH="0" baseline="0" dirty="0">
+                <a:ln>
+                  <a:noFill/>
+                </a:ln>
+                <a:solidFill>
+                  <a:schemeClr val="tx1"/>
+                </a:solidFill>
+                <a:effectLst/>
+                <a:ea typeface="Tahoma" panose="020B0604030504040204" pitchFamily="34" charset="0"/>
+                <a:cs typeface="Times New Roman" panose="02020603050405020304" pitchFamily="18" charset="0"/>
+              </a:rPr>
+              <a:t>Аппаратная платформа: </a:t>
+            </a:r>
+            <a:r>
+              <a:rPr kumimoji="0" lang="en-GB" altLang="ru-RU" sz="2500" b="0" i="0" u="none" strike="noStrike" cap="none" normalizeH="0" baseline="0" dirty="0">
+                <a:ln>
+                  <a:noFill/>
+                </a:ln>
+                <a:solidFill>
+                  <a:schemeClr val="tx1"/>
+                </a:solidFill>
+                <a:effectLst/>
+                <a:ea typeface="Tahoma" panose="020B0604030504040204" pitchFamily="34" charset="0"/>
+                <a:cs typeface="Times New Roman" panose="02020603050405020304" pitchFamily="18" charset="0"/>
+              </a:rPr>
+              <a:t>ARM AT91SAM9G35 @ 400 </a:t>
+            </a:r>
+            <a:r>
+              <a:rPr kumimoji="0" lang="ru-RU" altLang="ru-RU" sz="2500" b="0" i="0" u="none" strike="noStrike" cap="none" normalizeH="0" baseline="0" dirty="0">
+                <a:ln>
+                  <a:noFill/>
+                </a:ln>
+                <a:solidFill>
+                  <a:schemeClr val="tx1"/>
+                </a:solidFill>
+                <a:effectLst/>
+                <a:ea typeface="Tahoma" panose="020B0604030504040204" pitchFamily="34" charset="0"/>
+                <a:cs typeface="Times New Roman" panose="02020603050405020304" pitchFamily="18" charset="0"/>
+              </a:rPr>
+              <a:t>МГц, </a:t>
+            </a:r>
+            <a:r>
+              <a:rPr kumimoji="0" lang="en-GB" altLang="ru-RU" sz="2500" b="0" i="0" u="none" strike="noStrike" cap="none" normalizeH="0" baseline="0" dirty="0">
+                <a:ln>
+                  <a:noFill/>
+                </a:ln>
+                <a:solidFill>
+                  <a:schemeClr val="tx1"/>
+                </a:solidFill>
+                <a:effectLst/>
+                <a:ea typeface="Tahoma" panose="020B0604030504040204" pitchFamily="34" charset="0"/>
+                <a:cs typeface="Times New Roman" panose="02020603050405020304" pitchFamily="18" charset="0"/>
+              </a:rPr>
+              <a:t>Flash/RAM 128 </a:t>
+            </a:r>
+            <a:r>
+              <a:rPr kumimoji="0" lang="ru-RU" altLang="ru-RU" sz="2500" b="0" i="0" u="none" strike="noStrike" cap="none" normalizeH="0" baseline="0" dirty="0">
+                <a:ln>
+                  <a:noFill/>
+                </a:ln>
+                <a:solidFill>
+                  <a:schemeClr val="tx1"/>
+                </a:solidFill>
+                <a:effectLst/>
+                <a:ea typeface="Tahoma" panose="020B0604030504040204" pitchFamily="34" charset="0"/>
+                <a:cs typeface="Times New Roman" panose="02020603050405020304" pitchFamily="18" charset="0"/>
+              </a:rPr>
+              <a:t>МБ, </a:t>
+            </a:r>
+            <a:r>
+              <a:rPr kumimoji="0" lang="en-GB" altLang="ru-RU" sz="2500" b="0" i="0" u="none" strike="noStrike" cap="none" normalizeH="0" baseline="0" dirty="0">
+                <a:ln>
+                  <a:noFill/>
+                </a:ln>
+                <a:solidFill>
+                  <a:schemeClr val="tx1"/>
+                </a:solidFill>
+                <a:effectLst/>
+                <a:ea typeface="Tahoma" panose="020B0604030504040204" pitchFamily="34" charset="0"/>
+                <a:cs typeface="Times New Roman" panose="02020603050405020304" pitchFamily="18" charset="0"/>
+              </a:rPr>
+              <a:t>RTC</a:t>
+            </a:r>
+          </a:p>
+          <a:p>
+            <a:pPr marL="285750" marR="0" lvl="0" indent="-285750" algn="just" defTabSz="914400" rtl="0" eaLnBrk="0" fontAlgn="base" latinLnBrk="0" hangingPunct="0">
+              <a:lnSpc>
+                <a:spcPct val="100000"/>
+              </a:lnSpc>
+              <a:spcBef>
+                <a:spcPct val="0"/>
+              </a:spcBef>
+              <a:spcAft>
+                <a:spcPct val="0"/>
+              </a:spcAft>
+              <a:buClrTx/>
+              <a:buSzTx/>
+              <a:buFont typeface="Arial" panose="020B0604020202020204" pitchFamily="34" charset="0"/>
+              <a:buChar char="•"/>
+              <a:tabLst/>
+            </a:pPr>
+            <a:r>
+              <a:rPr kumimoji="0" lang="ru-RU" altLang="ru-RU" sz="2500" b="0" i="0" u="none" strike="noStrike" cap="none" normalizeH="0" baseline="0" dirty="0">
+                <a:ln>
+                  <a:noFill/>
+                </a:ln>
+                <a:solidFill>
+                  <a:schemeClr val="tx1"/>
+                </a:solidFill>
+                <a:effectLst/>
+                <a:ea typeface="Tahoma" panose="020B0604030504040204" pitchFamily="34" charset="0"/>
+                <a:cs typeface="Times New Roman" panose="02020603050405020304" pitchFamily="18" charset="0"/>
+              </a:rPr>
+              <a:t>Интерфейсы: </a:t>
+            </a:r>
+            <a:r>
+              <a:rPr kumimoji="0" lang="en-GB" altLang="ru-RU" sz="2500" b="0" i="0" u="none" strike="noStrike" cap="none" normalizeH="0" baseline="0" dirty="0">
+                <a:ln>
+                  <a:noFill/>
+                </a:ln>
+                <a:solidFill>
+                  <a:schemeClr val="tx1"/>
+                </a:solidFill>
+                <a:effectLst/>
+                <a:ea typeface="Tahoma" panose="020B0604030504040204" pitchFamily="34" charset="0"/>
+                <a:cs typeface="Times New Roman" panose="02020603050405020304" pitchFamily="18" charset="0"/>
+              </a:rPr>
+              <a:t>RS-232/RS-485 (Modbus RTU/ASCII), USB 2.0 Device</a:t>
+            </a:r>
+          </a:p>
+          <a:p>
+            <a:pPr marL="285750" marR="0" lvl="0" indent="-285750" algn="just" defTabSz="914400" rtl="0" eaLnBrk="0" fontAlgn="base" latinLnBrk="0" hangingPunct="0">
+              <a:lnSpc>
+                <a:spcPct val="100000"/>
+              </a:lnSpc>
+              <a:spcBef>
+                <a:spcPct val="0"/>
+              </a:spcBef>
+              <a:spcAft>
+                <a:spcPct val="0"/>
+              </a:spcAft>
+              <a:buClrTx/>
+              <a:buSzTx/>
+              <a:buFont typeface="Arial" panose="020B0604020202020204" pitchFamily="34" charset="0"/>
+              <a:buChar char="•"/>
+              <a:tabLst/>
+            </a:pPr>
+            <a:r>
+              <a:rPr kumimoji="0" lang="ru-RU" altLang="ru-RU" sz="2500" b="0" i="0" u="none" strike="noStrike" cap="none" normalizeH="0" baseline="0" dirty="0">
+                <a:ln>
+                  <a:noFill/>
+                </a:ln>
+                <a:solidFill>
+                  <a:schemeClr val="tx1"/>
+                </a:solidFill>
+                <a:effectLst/>
+                <a:ea typeface="Tahoma" panose="020B0604030504040204" pitchFamily="34" charset="0"/>
+                <a:cs typeface="Times New Roman" panose="02020603050405020304" pitchFamily="18" charset="0"/>
+              </a:rPr>
+              <a:t>Питание и монтаж: 24 В </a:t>
+            </a:r>
+            <a:r>
+              <a:rPr kumimoji="0" lang="en-GB" altLang="ru-RU" sz="2500" b="0" i="0" u="none" strike="noStrike" cap="none" normalizeH="0" baseline="0" dirty="0">
+                <a:ln>
+                  <a:noFill/>
+                </a:ln>
+                <a:solidFill>
+                  <a:schemeClr val="tx1"/>
+                </a:solidFill>
+                <a:effectLst/>
+                <a:ea typeface="Tahoma" panose="020B0604030504040204" pitchFamily="34" charset="0"/>
+                <a:cs typeface="Times New Roman" panose="02020603050405020304" pitchFamily="18" charset="0"/>
+              </a:rPr>
+              <a:t>DC (0,27 </a:t>
+            </a:r>
+            <a:r>
+              <a:rPr kumimoji="0" lang="ru-RU" altLang="ru-RU" sz="2500" b="0" i="0" u="none" strike="noStrike" cap="none" normalizeH="0" baseline="0" dirty="0">
+                <a:ln>
+                  <a:noFill/>
+                </a:ln>
+                <a:solidFill>
+                  <a:schemeClr val="tx1"/>
+                </a:solidFill>
+                <a:effectLst/>
+                <a:ea typeface="Tahoma" panose="020B0604030504040204" pitchFamily="34" charset="0"/>
+                <a:cs typeface="Times New Roman" panose="02020603050405020304" pitchFamily="18" charset="0"/>
+              </a:rPr>
+              <a:t>А / до 10 Вт), </a:t>
+            </a:r>
+            <a:r>
+              <a:rPr kumimoji="0" lang="en-GB" altLang="ru-RU" sz="2500" b="0" i="0" u="none" strike="noStrike" cap="none" normalizeH="0" baseline="0" dirty="0">
+                <a:ln>
+                  <a:noFill/>
+                </a:ln>
+                <a:solidFill>
+                  <a:schemeClr val="tx1"/>
+                </a:solidFill>
+                <a:effectLst/>
+                <a:ea typeface="Tahoma" panose="020B0604030504040204" pitchFamily="34" charset="0"/>
+                <a:cs typeface="Times New Roman" panose="02020603050405020304" pitchFamily="18" charset="0"/>
+              </a:rPr>
+              <a:t>DIN-</a:t>
+            </a:r>
+            <a:r>
+              <a:rPr kumimoji="0" lang="ru-RU" altLang="ru-RU" sz="2500" b="0" i="0" u="none" strike="noStrike" cap="none" normalizeH="0" baseline="0" dirty="0">
+                <a:ln>
+                  <a:noFill/>
+                </a:ln>
+                <a:solidFill>
+                  <a:schemeClr val="tx1"/>
+                </a:solidFill>
+                <a:effectLst/>
+                <a:ea typeface="Tahoma" panose="020B0604030504040204" pitchFamily="34" charset="0"/>
+                <a:cs typeface="Times New Roman" panose="02020603050405020304" pitchFamily="18" charset="0"/>
+              </a:rPr>
+              <a:t>рейка.</a:t>
+            </a:r>
+          </a:p>
+          <a:p>
+            <a:pPr marL="285750" marR="0" lvl="0" indent="-285750" algn="just" defTabSz="914400" rtl="0" eaLnBrk="0" fontAlgn="base" latinLnBrk="0" hangingPunct="0">
+              <a:lnSpc>
+                <a:spcPct val="100000"/>
+              </a:lnSpc>
+              <a:spcBef>
+                <a:spcPct val="0"/>
+              </a:spcBef>
+              <a:spcAft>
+                <a:spcPct val="0"/>
+              </a:spcAft>
+              <a:buClrTx/>
+              <a:buSzTx/>
+              <a:buFont typeface="Arial" panose="020B0604020202020204" pitchFamily="34" charset="0"/>
+              <a:buChar char="•"/>
+              <a:tabLst/>
+            </a:pPr>
+            <a:r>
+              <a:rPr kumimoji="0" lang="ru-RU" altLang="ru-RU" sz="2500" b="0" i="0" u="none" strike="noStrike" cap="none" normalizeH="0" baseline="0" dirty="0">
+                <a:ln>
+                  <a:noFill/>
+                </a:ln>
+                <a:solidFill>
+                  <a:schemeClr val="tx1"/>
+                </a:solidFill>
+                <a:effectLst/>
+                <a:ea typeface="Tahoma" panose="020B0604030504040204" pitchFamily="34" charset="0"/>
+                <a:cs typeface="Times New Roman" panose="02020603050405020304" pitchFamily="18" charset="0"/>
+              </a:rPr>
+              <a:t>Условия эксплуатации: 0…50 °</a:t>
+            </a:r>
+            <a:r>
+              <a:rPr kumimoji="0" lang="en-GB" altLang="ru-RU" sz="2500" b="0" i="0" u="none" strike="noStrike" cap="none" normalizeH="0" baseline="0" dirty="0">
+                <a:ln>
+                  <a:noFill/>
+                </a:ln>
+                <a:solidFill>
+                  <a:schemeClr val="tx1"/>
+                </a:solidFill>
+                <a:effectLst/>
+                <a:ea typeface="Tahoma" panose="020B0604030504040204" pitchFamily="34" charset="0"/>
+                <a:cs typeface="Times New Roman" panose="02020603050405020304" pitchFamily="18" charset="0"/>
+              </a:rPr>
+              <a:t>C, </a:t>
+            </a:r>
+            <a:r>
+              <a:rPr kumimoji="0" lang="ru-RU" altLang="ru-RU" sz="2500" b="0" i="0" u="none" strike="noStrike" cap="none" normalizeH="0" baseline="0" dirty="0">
+                <a:ln>
+                  <a:noFill/>
+                </a:ln>
+                <a:solidFill>
+                  <a:schemeClr val="tx1"/>
+                </a:solidFill>
+                <a:effectLst/>
+                <a:ea typeface="Tahoma" panose="020B0604030504040204" pitchFamily="34" charset="0"/>
+                <a:cs typeface="Times New Roman" panose="02020603050405020304" pitchFamily="18" charset="0"/>
+              </a:rPr>
+              <a:t>виброустойчивость, </a:t>
+            </a:r>
+            <a:r>
+              <a:rPr kumimoji="0" lang="en-GB" altLang="ru-RU" sz="2500" b="0" i="0" u="none" strike="noStrike" cap="none" normalizeH="0" baseline="0" dirty="0">
+                <a:ln>
+                  <a:noFill/>
+                </a:ln>
+                <a:solidFill>
+                  <a:schemeClr val="tx1"/>
+                </a:solidFill>
+                <a:effectLst/>
+                <a:ea typeface="Tahoma" panose="020B0604030504040204" pitchFamily="34" charset="0"/>
+                <a:cs typeface="Times New Roman" panose="02020603050405020304" pitchFamily="18" charset="0"/>
+              </a:rPr>
+              <a:t>MTBF 75 000 </a:t>
+            </a:r>
+            <a:r>
+              <a:rPr kumimoji="0" lang="ru-RU" altLang="ru-RU" sz="2500" b="0" i="0" u="none" strike="noStrike" cap="none" normalizeH="0" baseline="0" dirty="0">
+                <a:ln>
+                  <a:noFill/>
+                </a:ln>
+                <a:solidFill>
+                  <a:schemeClr val="tx1"/>
+                </a:solidFill>
+                <a:effectLst/>
+                <a:ea typeface="Tahoma" panose="020B0604030504040204" pitchFamily="34" charset="0"/>
+                <a:cs typeface="Times New Roman" panose="02020603050405020304" pitchFamily="18" charset="0"/>
+              </a:rPr>
+              <a:t>ч</a:t>
+            </a:r>
+          </a:p>
+          <a:p>
+            <a:pPr marL="285750" marR="0" lvl="0" indent="-285750" algn="just" defTabSz="914400" rtl="0" eaLnBrk="0" fontAlgn="base" latinLnBrk="0" hangingPunct="0">
+              <a:lnSpc>
+                <a:spcPct val="100000"/>
+              </a:lnSpc>
+              <a:spcBef>
+                <a:spcPct val="0"/>
+              </a:spcBef>
+              <a:spcAft>
+                <a:spcPct val="0"/>
+              </a:spcAft>
+              <a:buClrTx/>
+              <a:buSzTx/>
+              <a:buFont typeface="Arial" panose="020B0604020202020204" pitchFamily="34" charset="0"/>
+              <a:buChar char="•"/>
+              <a:tabLst/>
+            </a:pPr>
+            <a:endParaRPr kumimoji="0" lang="ru-RU" altLang="ru-RU" sz="2500" b="0" i="0" u="none" strike="noStrike" cap="none" normalizeH="0" baseline="0" dirty="0">
+              <a:ln>
+                <a:noFill/>
+              </a:ln>
+              <a:solidFill>
+                <a:schemeClr val="tx1"/>
+              </a:solidFill>
+              <a:effectLst/>
+              <a:ea typeface="Tahoma" panose="020B0604030504040204" pitchFamily="34" charset="0"/>
+              <a:cs typeface="Times New Roman" panose="02020603050405020304" pitchFamily="18" charset="0"/>
+            </a:endParaRPr>
           </a:p>
         </p:txBody>
       </p:sp>
       <p:pic>
         <p:nvPicPr>
-          <p:cNvPr id="4" name="Рисунок 3" descr="Изображение выглядит как текст, снимок экрана, Шрифт&#10;&#10;Автоматически созданное описание">
-            <a:extLst>
-              <a:ext uri="{FF2B5EF4-FFF2-40B4-BE49-F238E27FC236}">
-                <a16:creationId xmlns:a16="http://schemas.microsoft.com/office/drawing/2014/main" id="{0DA46400-1DB5-260E-9141-7AB5EA37D421}"/>
+          <p:cNvPr id="4" name="Рисунок 3" descr="Применение сенсорной панели оператора ОВЕН СП3хх">
+            <a:extLst>
+              <a:ext uri="{FF2B5EF4-FFF2-40B4-BE49-F238E27FC236}">
+                <a16:creationId xmlns:a16="http://schemas.microsoft.com/office/drawing/2014/main" id="{59F69A40-4B62-B710-E5E6-F3217C1AF446}"/>
+              </a:ext>
+            </a:extLst>
+          </p:cNvPr>
+          <p:cNvPicPr>
+            <a:picLocks noChangeAspect="1"/>
+          </p:cNvPicPr>
+          <p:nvPr/>
+        </p:nvPicPr>
+        <p:blipFill rotWithShape="1">
+          <a:blip r:embed="rId2" cstate="print">
+            <a:extLst>
+              <a:ext uri="{28A0092B-C50C-407E-A947-70E740481C1C}">
+                <a14:useLocalDpi xmlns:a14="http://schemas.microsoft.com/office/drawing/2010/main" val="0"/>
+              </a:ext>
+            </a:extLst>
+          </a:blip>
+          <a:srcRect t="8590" b="10774"/>
+          <a:stretch/>
+        </p:blipFill>
+        <p:spPr bwMode="auto">
+          <a:xfrm>
+            <a:off x="6230857" y="2784939"/>
+            <a:ext cx="5758180" cy="3098800"/>
+          </a:xfrm>
+          <a:prstGeom prst="rect">
+            <a:avLst/>
+          </a:prstGeom>
+          <a:noFill/>
+          <a:ln>
+            <a:noFill/>
+          </a:ln>
+          <a:extLst>
+            <a:ext uri="{53640926-AAD7-44D8-BBD7-CCE9431645EC}">
+              <a14:shadowObscured xmlns:a14="http://schemas.microsoft.com/office/drawing/2010/main"/>
+            </a:ext>
+          </a:extLst>
+        </p:spPr>
+      </p:pic>
+    </p:spTree>
+    <p:extLst>
+      <p:ext uri="{BB962C8B-B14F-4D97-AF65-F5344CB8AC3E}">
+        <p14:creationId xmlns:p14="http://schemas.microsoft.com/office/powerpoint/2010/main" val="3895955932"/>
+      </p:ext>
+    </p:extLst>
+  </p:cSld>
+  <p:clrMapOvr>
+    <a:masterClrMapping/>
+  </p:clrMapOvr>
+  <mc:AlternateContent xmlns:mc="http://schemas.openxmlformats.org/markup-compatibility/2006">
+    <mc:Choice xmlns:p14="http://schemas.microsoft.com/office/powerpoint/2010/main" Requires="p14">
+      <p:transition p14:dur="10"/>
+    </mc:Choice>
+    <mc:Fallback>
+      <p:transition/>
+    </mc:Fallback>
+  </mc:AlternateContent>
+</p:sld>
+</file>
+
+<file path=ppt/slides/slide8.xml><?xml version="1.0" encoding="utf-8"?>
+<p:sld xmlns:a="http://schemas.openxmlformats.org/drawingml/2006/main" xmlns:r="http://schemas.openxmlformats.org/officeDocument/2006/relationships" xmlns:p="http://schemas.openxmlformats.org/presentationml/2006/main">
+  <p:cSld>
+    <p:spTree>
+      <p:nvGrpSpPr>
+        <p:cNvPr id="1" name="">
+          <a:extLst>
+            <a:ext uri="{FF2B5EF4-FFF2-40B4-BE49-F238E27FC236}">
+              <a16:creationId xmlns:a16="http://schemas.microsoft.com/office/drawing/2014/main" id="{14D5E85F-8F8B-9FF2-FB94-45F2F65A548A}"/>
+            </a:ext>
+          </a:extLst>
+        </p:cNvPr>
+        <p:cNvGrpSpPr/>
+        <p:nvPr/>
+      </p:nvGrpSpPr>
+      <p:grpSpPr>
+        <a:xfrm>
+          <a:off x="0" y="0"/>
+          <a:ext cx="0" cy="0"/>
+          <a:chOff x="0" y="0"/>
+          <a:chExt cx="0" cy="0"/>
+        </a:xfrm>
+      </p:grpSpPr>
+      <p:sp>
+        <p:nvSpPr>
+          <p:cNvPr id="2" name="Заголовок 1">
+            <a:extLst>
+              <a:ext uri="{FF2B5EF4-FFF2-40B4-BE49-F238E27FC236}">
+                <a16:creationId xmlns:a16="http://schemas.microsoft.com/office/drawing/2014/main" id="{7BC5BD12-3511-4983-F0BE-F13577686B8F}"/>
+              </a:ext>
+            </a:extLst>
+          </p:cNvPr>
+          <p:cNvSpPr>
+            <a:spLocks noGrp="1"/>
+          </p:cNvSpPr>
+          <p:nvPr>
+            <p:ph type="title"/>
+          </p:nvPr>
+        </p:nvSpPr>
+        <p:spPr>
+          <a:xfrm>
+            <a:off x="960120" y="317814"/>
+            <a:ext cx="10268712" cy="1700784"/>
+          </a:xfrm>
+        </p:spPr>
+        <p:txBody>
+          <a:bodyPr anchor="ctr">
+            <a:normAutofit fontScale="90000"/>
+          </a:bodyPr>
+          <a:lstStyle/>
+          <a:p>
+            <a:r>
+              <a:rPr lang="ru-RU" dirty="0"/>
+              <a:t>Частотный </a:t>
+            </a:r>
+            <a:br>
+              <a:rPr lang="ru-RU" dirty="0"/>
+            </a:br>
+            <a:r>
+              <a:rPr lang="ru-RU" dirty="0"/>
+              <a:t>преобразователь ПЧВ1</a:t>
+            </a:r>
+          </a:p>
+        </p:txBody>
+      </p:sp>
+      <p:sp>
+        <p:nvSpPr>
+          <p:cNvPr id="5" name="Rectangle 1">
+            <a:extLst>
+              <a:ext uri="{FF2B5EF4-FFF2-40B4-BE49-F238E27FC236}">
+                <a16:creationId xmlns:a16="http://schemas.microsoft.com/office/drawing/2014/main" id="{026426D0-0193-4336-7585-9AC3A2BBD7F5}"/>
+              </a:ext>
+            </a:extLst>
+          </p:cNvPr>
+          <p:cNvSpPr>
+            <a:spLocks noChangeArrowheads="1"/>
+          </p:cNvSpPr>
+          <p:nvPr/>
+        </p:nvSpPr>
+        <p:spPr bwMode="auto">
+          <a:xfrm>
+            <a:off x="4358273" y="2773362"/>
+            <a:ext cx="7378456" cy="3554819"/>
+          </a:xfrm>
+          <a:prstGeom prst="rect">
+            <a:avLst/>
+          </a:prstGeom>
+          <a:noFill/>
+          <a:ln>
+            <a:noFill/>
+          </a:ln>
+          <a:effectLst/>
+          <a:extLst>
+            <a:ext uri="{909E8E84-426E-40DD-AFC4-6F175D3DCCD1}">
+              <a14:hiddenFill xmlns:a14="http://schemas.microsoft.com/office/drawing/2010/main">
+                <a:solidFill>
+                  <a:schemeClr val="accent1"/>
+                </a:solidFill>
+              </a14:hiddenFill>
+            </a:ext>
+            <a:ext uri="{91240B29-F687-4F45-9708-019B960494DF}">
+              <a14:hiddenLine xmlns:a14="http://schemas.microsoft.com/office/drawing/2010/main" w="9525">
+                <a:solidFill>
+                  <a:schemeClr val="tx1"/>
+                </a:solidFill>
+                <a:miter lim="800000"/>
+                <a:headEnd/>
+                <a:tailEnd/>
+              </a14:hiddenLine>
+            </a:ext>
+            <a:ext uri="{AF507438-7753-43E0-B8FC-AC1667EBCBE1}">
+              <a14:hiddenEffects xmlns:a14="http://schemas.microsoft.com/office/drawing/2010/main">
+                <a:effectLst>
+                  <a:outerShdw dist="35921" dir="2700000" algn="ctr" rotWithShape="0">
+                    <a:schemeClr val="bg2"/>
+                  </a:outerShdw>
+                </a:effectLst>
+              </a14:hiddenEffects>
+            </a:ext>
+          </a:extLst>
+        </p:spPr>
+        <p:txBody>
+          <a:bodyPr vert="horz" wrap="square" lIns="91440" tIns="45720" rIns="91440" bIns="45720" numCol="1" anchor="ctr" anchorCtr="0" compatLnSpc="1">
+            <a:prstTxWarp prst="textNoShape">
+              <a:avLst/>
+            </a:prstTxWarp>
+            <a:spAutoFit/>
+          </a:bodyPr>
+          <a:lstStyle/>
+          <a:p>
+            <a:pPr marL="284400" marR="0" lvl="0" indent="-284400" algn="just" defTabSz="914400" rtl="0" eaLnBrk="0" fontAlgn="base" latinLnBrk="0" hangingPunct="0">
+              <a:lnSpc>
+                <a:spcPct val="100000"/>
+              </a:lnSpc>
+              <a:spcBef>
+                <a:spcPct val="0"/>
+              </a:spcBef>
+              <a:spcAft>
+                <a:spcPct val="0"/>
+              </a:spcAft>
+              <a:buClrTx/>
+              <a:buSzTx/>
+              <a:buFont typeface="Arial" panose="020B0604020202020204" pitchFamily="34" charset="0"/>
+              <a:buChar char="•"/>
+              <a:tabLst/>
+            </a:pPr>
+            <a:r>
+              <a:rPr kumimoji="0" lang="ru-RU" altLang="ru-RU" sz="2500" b="0" i="0" u="none" strike="noStrike" cap="none" normalizeH="0" baseline="0" dirty="0">
+                <a:ln>
+                  <a:noFill/>
+                </a:ln>
+                <a:solidFill>
+                  <a:schemeClr val="tx1"/>
+                </a:solidFill>
+                <a:effectLst/>
+                <a:ea typeface="Tahoma" panose="020B0604030504040204" pitchFamily="34" charset="0"/>
+                <a:cs typeface="Times New Roman" panose="02020603050405020304" pitchFamily="18" charset="0"/>
+              </a:rPr>
+              <a:t>Компактные габариты.</a:t>
+            </a:r>
+          </a:p>
+          <a:p>
+            <a:pPr marL="284400" marR="0" lvl="0" indent="-284400" algn="just" defTabSz="914400" rtl="0" eaLnBrk="0" fontAlgn="base" latinLnBrk="0" hangingPunct="0">
+              <a:lnSpc>
+                <a:spcPct val="100000"/>
+              </a:lnSpc>
+              <a:spcBef>
+                <a:spcPct val="0"/>
+              </a:spcBef>
+              <a:spcAft>
+                <a:spcPct val="0"/>
+              </a:spcAft>
+              <a:buClrTx/>
+              <a:buSzTx/>
+              <a:buFont typeface="Arial" panose="020B0604020202020204" pitchFamily="34" charset="0"/>
+              <a:buChar char="•"/>
+              <a:tabLst/>
+            </a:pPr>
+            <a:r>
+              <a:rPr kumimoji="0" lang="ru-RU" altLang="ru-RU" sz="2500" b="0" i="0" u="none" strike="noStrike" cap="none" normalizeH="0" baseline="0" dirty="0">
+                <a:ln>
+                  <a:noFill/>
+                </a:ln>
+                <a:solidFill>
+                  <a:schemeClr val="tx1"/>
+                </a:solidFill>
+                <a:effectLst/>
+                <a:ea typeface="Tahoma" panose="020B0604030504040204" pitchFamily="34" charset="0"/>
+                <a:cs typeface="Times New Roman" panose="02020603050405020304" pitchFamily="18" charset="0"/>
+              </a:rPr>
+              <a:t>Климатическое исполнение –10…+50 °C.</a:t>
+            </a:r>
+          </a:p>
+          <a:p>
+            <a:pPr marL="284400" marR="0" lvl="0" indent="-284400" algn="just" defTabSz="914400" rtl="0" eaLnBrk="0" fontAlgn="base" latinLnBrk="0" hangingPunct="0">
+              <a:lnSpc>
+                <a:spcPct val="100000"/>
+              </a:lnSpc>
+              <a:spcBef>
+                <a:spcPct val="0"/>
+              </a:spcBef>
+              <a:spcAft>
+                <a:spcPct val="0"/>
+              </a:spcAft>
+              <a:buClrTx/>
+              <a:buSzTx/>
+              <a:buFont typeface="Arial" panose="020B0604020202020204" pitchFamily="34" charset="0"/>
+              <a:buChar char="•"/>
+              <a:tabLst/>
+            </a:pPr>
+            <a:r>
+              <a:rPr lang="ru-RU" altLang="ru-RU" sz="2500" dirty="0">
+                <a:ea typeface="Tahoma" panose="020B0604030504040204" pitchFamily="34" charset="0"/>
+                <a:cs typeface="Times New Roman" panose="02020603050405020304" pitchFamily="18" charset="0"/>
+              </a:rPr>
+              <a:t>Г</a:t>
+            </a:r>
+            <a:r>
+              <a:rPr kumimoji="0" lang="ru-RU" altLang="ru-RU" sz="2500" b="0" i="0" u="none" strike="noStrike" cap="none" normalizeH="0" baseline="0" dirty="0">
+                <a:ln>
+                  <a:noFill/>
+                </a:ln>
+                <a:solidFill>
+                  <a:schemeClr val="tx1"/>
+                </a:solidFill>
+                <a:effectLst/>
+                <a:ea typeface="Tahoma" panose="020B0604030504040204" pitchFamily="34" charset="0"/>
+                <a:cs typeface="Times New Roman" panose="02020603050405020304" pitchFamily="18" charset="0"/>
+              </a:rPr>
+              <a:t>арантия 3 года</a:t>
+            </a:r>
+          </a:p>
+          <a:p>
+            <a:pPr marL="284400" marR="0" lvl="0" indent="-284400" algn="just" defTabSz="914400" rtl="0" eaLnBrk="0" fontAlgn="base" latinLnBrk="0" hangingPunct="0">
+              <a:lnSpc>
+                <a:spcPct val="100000"/>
+              </a:lnSpc>
+              <a:spcBef>
+                <a:spcPct val="0"/>
+              </a:spcBef>
+              <a:spcAft>
+                <a:spcPct val="0"/>
+              </a:spcAft>
+              <a:buClrTx/>
+              <a:buSzTx/>
+              <a:buFont typeface="Arial" panose="020B0604020202020204" pitchFamily="34" charset="0"/>
+              <a:buChar char="•"/>
+              <a:tabLst/>
+            </a:pPr>
+            <a:r>
+              <a:rPr kumimoji="0" lang="ru-RU" altLang="ru-RU" sz="2500" b="0" i="0" u="none" strike="noStrike" cap="none" normalizeH="0" baseline="0" dirty="0">
+                <a:ln>
+                  <a:noFill/>
+                </a:ln>
+                <a:solidFill>
+                  <a:schemeClr val="tx1"/>
+                </a:solidFill>
+                <a:effectLst/>
+                <a:ea typeface="Tahoma" panose="020B0604030504040204" pitchFamily="34" charset="0"/>
+                <a:cs typeface="Times New Roman" panose="02020603050405020304" pitchFamily="18" charset="0"/>
+              </a:rPr>
+              <a:t>Интерфейс RS-485 </a:t>
+            </a:r>
+            <a:r>
+              <a:rPr kumimoji="0" lang="ru-RU" altLang="ru-RU" sz="2500" b="0" i="0" u="none" strike="noStrike" cap="none" normalizeH="0" baseline="0" dirty="0" err="1">
+                <a:ln>
+                  <a:noFill/>
+                </a:ln>
+                <a:solidFill>
+                  <a:schemeClr val="tx1"/>
+                </a:solidFill>
+                <a:effectLst/>
+                <a:ea typeface="Tahoma" panose="020B0604030504040204" pitchFamily="34" charset="0"/>
+                <a:cs typeface="Times New Roman" panose="02020603050405020304" pitchFamily="18" charset="0"/>
+              </a:rPr>
+              <a:t>Modbus</a:t>
+            </a:r>
+            <a:r>
+              <a:rPr kumimoji="0" lang="ru-RU" altLang="ru-RU" sz="2500" b="0" i="0" u="none" strike="noStrike" cap="none" normalizeH="0" baseline="0" dirty="0">
+                <a:ln>
+                  <a:noFill/>
+                </a:ln>
+                <a:solidFill>
+                  <a:schemeClr val="tx1"/>
+                </a:solidFill>
+                <a:effectLst/>
+                <a:ea typeface="Tahoma" panose="020B0604030504040204" pitchFamily="34" charset="0"/>
+                <a:cs typeface="Times New Roman" panose="02020603050405020304" pitchFamily="18" charset="0"/>
+              </a:rPr>
+              <a:t> RTU</a:t>
+            </a:r>
+          </a:p>
+          <a:p>
+            <a:pPr marL="284400" marR="0" lvl="0" indent="-284400" algn="just" defTabSz="914400" rtl="0" eaLnBrk="0" fontAlgn="base" latinLnBrk="0" hangingPunct="0">
+              <a:lnSpc>
+                <a:spcPct val="100000"/>
+              </a:lnSpc>
+              <a:spcBef>
+                <a:spcPct val="0"/>
+              </a:spcBef>
+              <a:spcAft>
+                <a:spcPct val="0"/>
+              </a:spcAft>
+              <a:buClrTx/>
+              <a:buSzTx/>
+              <a:buFont typeface="Arial" panose="020B0604020202020204" pitchFamily="34" charset="0"/>
+              <a:buChar char="•"/>
+              <a:tabLst/>
+            </a:pPr>
+            <a:r>
+              <a:rPr kumimoji="0" lang="ru-RU" altLang="ru-RU" sz="2500" b="0" i="0" u="none" strike="noStrike" cap="none" normalizeH="0" baseline="0" dirty="0">
+                <a:ln>
+                  <a:noFill/>
+                </a:ln>
+                <a:solidFill>
+                  <a:schemeClr val="tx1"/>
+                </a:solidFill>
+                <a:effectLst/>
+                <a:ea typeface="Tahoma" panose="020B0604030504040204" pitchFamily="34" charset="0"/>
+                <a:cs typeface="Times New Roman" panose="02020603050405020304" pitchFamily="18" charset="0"/>
+              </a:rPr>
+              <a:t>Регистры:</a:t>
+            </a:r>
+          </a:p>
+          <a:p>
+            <a:pPr marL="741600" lvl="1" indent="-284400" algn="just" eaLnBrk="0" fontAlgn="base" hangingPunct="0">
+              <a:spcBef>
+                <a:spcPct val="0"/>
+              </a:spcBef>
+              <a:spcAft>
+                <a:spcPct val="0"/>
+              </a:spcAft>
+              <a:buFont typeface="Arial" panose="020B0604020202020204" pitchFamily="34" charset="0"/>
+              <a:buChar char="•"/>
+            </a:pPr>
+            <a:r>
+              <a:rPr kumimoji="0" lang="ru-RU" altLang="ru-RU" sz="2500" b="0" i="0" u="none" strike="noStrike" cap="none" normalizeH="0" baseline="0" dirty="0">
+                <a:ln>
+                  <a:noFill/>
+                </a:ln>
+                <a:solidFill>
+                  <a:schemeClr val="tx1"/>
+                </a:solidFill>
+                <a:effectLst/>
+                <a:ea typeface="Tahoma" panose="020B0604030504040204" pitchFamily="34" charset="0"/>
+                <a:cs typeface="Times New Roman" panose="02020603050405020304" pitchFamily="18" charset="0"/>
+              </a:rPr>
+              <a:t>0x2000 – частота (0,00…320,00 Гц)</a:t>
+            </a:r>
+          </a:p>
+          <a:p>
+            <a:pPr marL="741600" lvl="1" indent="-284400" algn="just" eaLnBrk="0" fontAlgn="base" hangingPunct="0">
+              <a:spcBef>
+                <a:spcPct val="0"/>
+              </a:spcBef>
+              <a:spcAft>
+                <a:spcPct val="0"/>
+              </a:spcAft>
+              <a:buFont typeface="Arial" panose="020B0604020202020204" pitchFamily="34" charset="0"/>
+              <a:buChar char="•"/>
+            </a:pPr>
+            <a:r>
+              <a:rPr kumimoji="0" lang="ru-RU" altLang="ru-RU" sz="2500" b="0" i="0" u="none" strike="noStrike" cap="none" normalizeH="0" baseline="0" dirty="0">
+                <a:ln>
+                  <a:noFill/>
+                </a:ln>
+                <a:solidFill>
+                  <a:schemeClr val="tx1"/>
+                </a:solidFill>
+                <a:effectLst/>
+                <a:ea typeface="Tahoma" panose="020B0604030504040204" pitchFamily="34" charset="0"/>
+                <a:cs typeface="Times New Roman" panose="02020603050405020304" pitchFamily="18" charset="0"/>
+              </a:rPr>
+              <a:t>0x2001 – команды «пуск/стоп», аварийный стоп, сброс ошибок</a:t>
+            </a:r>
+          </a:p>
+          <a:p>
+            <a:pPr marL="284400" marR="0" lvl="0" indent="-284400" algn="just" defTabSz="914400" rtl="0" eaLnBrk="0" fontAlgn="base" latinLnBrk="0" hangingPunct="0">
+              <a:lnSpc>
+                <a:spcPct val="100000"/>
+              </a:lnSpc>
+              <a:spcBef>
+                <a:spcPct val="0"/>
+              </a:spcBef>
+              <a:spcAft>
+                <a:spcPct val="0"/>
+              </a:spcAft>
+              <a:buClrTx/>
+              <a:buSzTx/>
+              <a:buFont typeface="Arial" panose="020B0604020202020204" pitchFamily="34" charset="0"/>
+              <a:buChar char="•"/>
+              <a:tabLst/>
+            </a:pPr>
+            <a:endParaRPr kumimoji="0" lang="ru-RU" altLang="ru-RU" sz="2500" b="0" i="0" u="none" strike="noStrike" cap="none" normalizeH="0" baseline="0" dirty="0">
+              <a:ln>
+                <a:noFill/>
+              </a:ln>
+              <a:solidFill>
+                <a:schemeClr val="tx1"/>
+              </a:solidFill>
+              <a:effectLst/>
+              <a:ea typeface="Tahoma" panose="020B0604030504040204" pitchFamily="34" charset="0"/>
+              <a:cs typeface="Times New Roman" panose="02020603050405020304" pitchFamily="18" charset="0"/>
+            </a:endParaRPr>
+          </a:p>
+        </p:txBody>
+      </p:sp>
+      <p:pic>
+        <p:nvPicPr>
+          <p:cNvPr id="3" name="Рисунок 2">
+            <a:extLst>
+              <a:ext uri="{FF2B5EF4-FFF2-40B4-BE49-F238E27FC236}">
+                <a16:creationId xmlns:a16="http://schemas.microsoft.com/office/drawing/2014/main" id="{F3E86DF3-3297-59CB-2ED0-862E07DA0DAD}"/>
               </a:ext>
             </a:extLst>
           </p:cNvPr>
@@ -6586,69 +7842,47 @@
         </p:blipFill>
         <p:spPr>
           <a:xfrm>
-            <a:off x="360156" y="-1036"/>
-            <a:ext cx="11471689" cy="6860071"/>
+            <a:off x="357987" y="2293730"/>
+            <a:ext cx="2767178" cy="4246456"/>
           </a:xfrm>
           <a:prstGeom prst="rect">
             <a:avLst/>
           </a:prstGeom>
         </p:spPr>
       </p:pic>
-      <p:sp>
-        <p:nvSpPr>
-          <p:cNvPr id="3" name="Номер слайда 2">
-            <a:extLst>
-              <a:ext uri="{FF2B5EF4-FFF2-40B4-BE49-F238E27FC236}">
-                <a16:creationId xmlns:a16="http://schemas.microsoft.com/office/drawing/2014/main" id="{F14AD551-5A3D-670F-F01F-C7EC293F48F1}"/>
-              </a:ext>
-            </a:extLst>
-          </p:cNvPr>
-          <p:cNvSpPr>
-            <a:spLocks noGrp="1"/>
-          </p:cNvSpPr>
-          <p:nvPr>
-            <p:ph type="sldNum" sz="quarter" idx="12"/>
-          </p:nvPr>
-        </p:nvSpPr>
-        <p:spPr>
-          <a:xfrm>
-            <a:off x="11725200" y="6357600"/>
-            <a:ext cx="932688" cy="365125"/>
-          </a:xfrm>
-        </p:spPr>
-        <p:txBody>
-          <a:bodyPr/>
-          <a:lstStyle/>
-          <a:p>
-            <a:pPr algn="l"/>
-            <a:fld id="{F97E8200-1950-409B-82E7-99938E7AE355}" type="slidenum">
-              <a:rPr lang="en-US" smtClean="0"/>
-              <a:pPr algn="l"/>
-              <a:t>7</a:t>
-            </a:fld>
-            <a:endParaRPr lang="en-US" dirty="0"/>
-          </a:p>
-        </p:txBody>
-      </p:sp>
     </p:spTree>
     <p:extLst>
       <p:ext uri="{BB962C8B-B14F-4D97-AF65-F5344CB8AC3E}">
-        <p14:creationId xmlns:p14="http://schemas.microsoft.com/office/powerpoint/2010/main" val="884324108"/>
+        <p14:creationId xmlns:p14="http://schemas.microsoft.com/office/powerpoint/2010/main" val="1673299209"/>
       </p:ext>
     </p:extLst>
   </p:cSld>
   <p:clrMapOvr>
     <a:masterClrMapping/>
   </p:clrMapOvr>
+  <mc:AlternateContent xmlns:mc="http://schemas.openxmlformats.org/markup-compatibility/2006">
+    <mc:Choice xmlns:p14="http://schemas.microsoft.com/office/powerpoint/2010/main" Requires="p14">
+      <p:transition p14:dur="10"/>
+    </mc:Choice>
+    <mc:Fallback>
+      <p:transition/>
+    </mc:Fallback>
+  </mc:AlternateContent>
 </p:sld>
 </file>
 
-<file path=ppt/slides/slide8.xml><?xml version="1.0" encoding="utf-8"?>
+<file path=ppt/slides/slide9.xml><?xml version="1.0" encoding="utf-8"?>
 <p:sld xmlns:a="http://schemas.openxmlformats.org/drawingml/2006/main" xmlns:r="http://schemas.openxmlformats.org/officeDocument/2006/relationships" xmlns:p="http://schemas.openxmlformats.org/presentationml/2006/main">
   <p:cSld>
     <p:spTree>
       <p:nvGrpSpPr>
-        <p:cNvPr id="1" name=""/>
+        <p:cNvPr id="1" name="">
+          <a:extLst>
+            <a:ext uri="{FF2B5EF4-FFF2-40B4-BE49-F238E27FC236}">
+              <a16:creationId xmlns:a16="http://schemas.microsoft.com/office/drawing/2014/main" id="{7FF1C7FD-9AAA-6EDC-410A-C369BB55237B}"/>
+            </a:ext>
+          </a:extLst>
+        </p:cNvPr>
         <p:cNvGrpSpPr/>
         <p:nvPr/>
       </p:nvGrpSpPr>
@@ -6660,12 +7894,200 @@
           <a:chExt cx="0" cy="0"/>
         </a:xfrm>
       </p:grpSpPr>
+      <p:sp>
+        <p:nvSpPr>
+          <p:cNvPr id="2" name="Заголовок 1">
+            <a:extLst>
+              <a:ext uri="{FF2B5EF4-FFF2-40B4-BE49-F238E27FC236}">
+                <a16:creationId xmlns:a16="http://schemas.microsoft.com/office/drawing/2014/main" id="{57E617C8-0135-1A34-3169-DBBB0391DECD}"/>
+              </a:ext>
+            </a:extLst>
+          </p:cNvPr>
+          <p:cNvSpPr>
+            <a:spLocks noGrp="1"/>
+          </p:cNvSpPr>
+          <p:nvPr>
+            <p:ph type="title"/>
+          </p:nvPr>
+        </p:nvSpPr>
+        <p:spPr>
+          <a:xfrm>
+            <a:off x="960120" y="317814"/>
+            <a:ext cx="10268712" cy="1700784"/>
+          </a:xfrm>
+        </p:spPr>
+        <p:txBody>
+          <a:bodyPr anchor="ctr">
+            <a:normAutofit/>
+          </a:bodyPr>
+          <a:lstStyle/>
+          <a:p>
+            <a:r>
+              <a:rPr lang="ru-RU" dirty="0"/>
+              <a:t>Клапан ЭПК24</a:t>
+            </a:r>
+          </a:p>
+        </p:txBody>
+      </p:sp>
+      <p:sp>
+        <p:nvSpPr>
+          <p:cNvPr id="5" name="Rectangle 1">
+            <a:extLst>
+              <a:ext uri="{FF2B5EF4-FFF2-40B4-BE49-F238E27FC236}">
+                <a16:creationId xmlns:a16="http://schemas.microsoft.com/office/drawing/2014/main" id="{32BE8014-DFE0-C061-4B99-CF959BE0E926}"/>
+              </a:ext>
+            </a:extLst>
+          </p:cNvPr>
+          <p:cNvSpPr>
+            <a:spLocks noChangeArrowheads="1"/>
+          </p:cNvSpPr>
+          <p:nvPr/>
+        </p:nvSpPr>
+        <p:spPr bwMode="auto">
+          <a:xfrm>
+            <a:off x="339344" y="2996911"/>
+            <a:ext cx="7628563" cy="2677656"/>
+          </a:xfrm>
+          <a:prstGeom prst="rect">
+            <a:avLst/>
+          </a:prstGeom>
+          <a:noFill/>
+          <a:ln>
+            <a:noFill/>
+          </a:ln>
+          <a:effectLst/>
+          <a:extLst>
+            <a:ext uri="{909E8E84-426E-40DD-AFC4-6F175D3DCCD1}">
+              <a14:hiddenFill xmlns:a14="http://schemas.microsoft.com/office/drawing/2010/main">
+                <a:solidFill>
+                  <a:schemeClr val="accent1"/>
+                </a:solidFill>
+              </a14:hiddenFill>
+            </a:ext>
+            <a:ext uri="{91240B29-F687-4F45-9708-019B960494DF}">
+              <a14:hiddenLine xmlns:a14="http://schemas.microsoft.com/office/drawing/2010/main" w="9525">
+                <a:solidFill>
+                  <a:schemeClr val="tx1"/>
+                </a:solidFill>
+                <a:miter lim="800000"/>
+                <a:headEnd/>
+                <a:tailEnd/>
+              </a14:hiddenLine>
+            </a:ext>
+            <a:ext uri="{AF507438-7753-43E0-B8FC-AC1667EBCBE1}">
+              <a14:hiddenEffects xmlns:a14="http://schemas.microsoft.com/office/drawing/2010/main">
+                <a:effectLst>
+                  <a:outerShdw dist="35921" dir="2700000" algn="ctr" rotWithShape="0">
+                    <a:schemeClr val="bg2"/>
+                  </a:outerShdw>
+                </a:effectLst>
+              </a14:hiddenEffects>
+            </a:ext>
+          </a:extLst>
+        </p:spPr>
+        <p:txBody>
+          <a:bodyPr vert="horz" wrap="square" lIns="91440" tIns="45720" rIns="91440" bIns="45720" numCol="1" anchor="ctr" anchorCtr="0" compatLnSpc="1">
+            <a:prstTxWarp prst="textNoShape">
+              <a:avLst/>
+            </a:prstTxWarp>
+            <a:spAutoFit/>
+          </a:bodyPr>
+          <a:lstStyle/>
+          <a:p>
+            <a:pPr marL="284400" indent="-284400" algn="just" eaLnBrk="0" fontAlgn="base" hangingPunct="0">
+              <a:spcBef>
+                <a:spcPct val="0"/>
+              </a:spcBef>
+              <a:spcAft>
+                <a:spcPct val="0"/>
+              </a:spcAft>
+              <a:buFont typeface="Arial" panose="020B0604020202020204" pitchFamily="34" charset="0"/>
+              <a:buChar char="•"/>
+            </a:pPr>
+            <a:r>
+              <a:rPr lang="ru-RU" altLang="ru-RU" sz="2800" dirty="0">
+                <a:ea typeface="Tahoma" panose="020B0604030504040204" pitchFamily="34" charset="0"/>
+                <a:cs typeface="Times New Roman" panose="02020603050405020304" pitchFamily="18" charset="0"/>
+              </a:rPr>
+              <a:t>Крутящий момент до 10 </a:t>
+            </a:r>
+            <a:r>
+              <a:rPr lang="ru-RU" altLang="ru-RU" sz="2800" dirty="0" err="1">
+                <a:ea typeface="Tahoma" panose="020B0604030504040204" pitchFamily="34" charset="0"/>
+                <a:cs typeface="Times New Roman" panose="02020603050405020304" pitchFamily="18" charset="0"/>
+              </a:rPr>
+              <a:t>Н·м</a:t>
+            </a:r>
+            <a:endParaRPr lang="ru-RU" altLang="ru-RU" sz="2800" dirty="0">
+              <a:ea typeface="Tahoma" panose="020B0604030504040204" pitchFamily="34" charset="0"/>
+              <a:cs typeface="Times New Roman" panose="02020603050405020304" pitchFamily="18" charset="0"/>
+            </a:endParaRPr>
+          </a:p>
+          <a:p>
+            <a:pPr marL="284400" indent="-284400" algn="just" eaLnBrk="0" fontAlgn="base" hangingPunct="0">
+              <a:spcBef>
+                <a:spcPct val="0"/>
+              </a:spcBef>
+              <a:spcAft>
+                <a:spcPct val="0"/>
+              </a:spcAft>
+              <a:buFont typeface="Arial" panose="020B0604020202020204" pitchFamily="34" charset="0"/>
+              <a:buChar char="•"/>
+            </a:pPr>
+            <a:r>
+              <a:rPr lang="ru-RU" altLang="ru-RU" sz="2800" dirty="0">
+                <a:ea typeface="Tahoma" panose="020B0604030504040204" pitchFamily="34" charset="0"/>
+                <a:cs typeface="Times New Roman" panose="02020603050405020304" pitchFamily="18" charset="0"/>
+              </a:rPr>
+              <a:t>Управление и обратная связь по аналоговому сигналу 0–10 В</a:t>
+            </a:r>
+          </a:p>
+          <a:p>
+            <a:pPr marL="284400" indent="-284400" algn="just" eaLnBrk="0" fontAlgn="base" hangingPunct="0">
+              <a:spcBef>
+                <a:spcPct val="0"/>
+              </a:spcBef>
+              <a:spcAft>
+                <a:spcPct val="0"/>
+              </a:spcAft>
+              <a:buFont typeface="Arial" panose="020B0604020202020204" pitchFamily="34" charset="0"/>
+              <a:buChar char="•"/>
+            </a:pPr>
+            <a:r>
+              <a:rPr lang="ru-RU" altLang="ru-RU" sz="2800" dirty="0">
+                <a:ea typeface="Tahoma" panose="020B0604030504040204" pitchFamily="34" charset="0"/>
+                <a:cs typeface="Times New Roman" panose="02020603050405020304" pitchFamily="18" charset="0"/>
+              </a:rPr>
+              <a:t>Питание 24 В ± 10 % (AC/DC), потребляемая мощность ≤ 5 Вт</a:t>
+            </a:r>
+          </a:p>
+          <a:p>
+            <a:pPr marL="284400" indent="-284400" algn="just" eaLnBrk="0" fontAlgn="base" hangingPunct="0">
+              <a:spcBef>
+                <a:spcPct val="0"/>
+              </a:spcBef>
+              <a:spcAft>
+                <a:spcPct val="0"/>
+              </a:spcAft>
+              <a:buFont typeface="Arial" panose="020B0604020202020204" pitchFamily="34" charset="0"/>
+              <a:buChar char="•"/>
+            </a:pPr>
+            <a:r>
+              <a:rPr lang="ru-RU" altLang="ru-RU" sz="2800" dirty="0">
+                <a:ea typeface="Tahoma" panose="020B0604030504040204" pitchFamily="34" charset="0"/>
+                <a:cs typeface="Times New Roman" panose="02020603050405020304" pitchFamily="18" charset="0"/>
+              </a:rPr>
+              <a:t>Диапазон поворота штока 90 ° за ≤ 35 с.</a:t>
+            </a:r>
+          </a:p>
+        </p:txBody>
+      </p:sp>
       <p:pic>
         <p:nvPicPr>
-          <p:cNvPr id="2" name="Рисунок 1" descr="Изображение выглядит как текст, снимок экрана, Шрифт, число&#10;&#10;Автоматически созданное описание">
-            <a:extLst>
-              <a:ext uri="{FF2B5EF4-FFF2-40B4-BE49-F238E27FC236}">
-                <a16:creationId xmlns:a16="http://schemas.microsoft.com/office/drawing/2014/main" id="{A2D6EC18-9493-603F-E4E3-7CE43C6F4C4A}"/>
+          <p:cNvPr id="3" name="Рисунок 2">
+            <a:extLst>
+              <a:ext uri="{FF2B5EF4-FFF2-40B4-BE49-F238E27FC236}">
+                <a16:creationId xmlns:a16="http://schemas.microsoft.com/office/drawing/2014/main" id="{362E2849-5E03-4F12-713A-463516F2F1A7}"/>
               </a:ext>
             </a:extLst>
           </p:cNvPr>
@@ -6682,191 +8104,32 @@
         </p:blipFill>
         <p:spPr>
           <a:xfrm>
-            <a:off x="380724" y="5246"/>
-            <a:ext cx="11419508" cy="6836465"/>
+            <a:off x="7967907" y="2400218"/>
+            <a:ext cx="3884749" cy="3871042"/>
           </a:xfrm>
           <a:prstGeom prst="rect">
             <a:avLst/>
           </a:prstGeom>
         </p:spPr>
       </p:pic>
-      <p:sp>
-        <p:nvSpPr>
-          <p:cNvPr id="3" name="Номер слайда 2">
-            <a:extLst>
-              <a:ext uri="{FF2B5EF4-FFF2-40B4-BE49-F238E27FC236}">
-                <a16:creationId xmlns:a16="http://schemas.microsoft.com/office/drawing/2014/main" id="{1B9B45FE-404A-3262-52F6-6F0A5B719A31}"/>
-              </a:ext>
-            </a:extLst>
-          </p:cNvPr>
-          <p:cNvSpPr>
-            <a:spLocks noGrp="1"/>
-          </p:cNvSpPr>
-          <p:nvPr>
-            <p:ph type="sldNum" sz="quarter" idx="12"/>
-          </p:nvPr>
-        </p:nvSpPr>
-        <p:spPr>
-          <a:xfrm>
-            <a:off x="11725656" y="6300366"/>
-            <a:ext cx="932688" cy="365125"/>
-          </a:xfrm>
-        </p:spPr>
-        <p:txBody>
-          <a:bodyPr/>
-          <a:lstStyle/>
-          <a:p>
-            <a:pPr algn="l"/>
-            <a:fld id="{F97E8200-1950-409B-82E7-99938E7AE355}" type="slidenum">
-              <a:rPr lang="en-US" smtClean="0"/>
-              <a:pPr algn="l"/>
-              <a:t>8</a:t>
-            </a:fld>
-            <a:endParaRPr lang="en-US" dirty="0"/>
-          </a:p>
-        </p:txBody>
-      </p:sp>
     </p:spTree>
     <p:extLst>
       <p:ext uri="{BB962C8B-B14F-4D97-AF65-F5344CB8AC3E}">
-        <p14:creationId xmlns:p14="http://schemas.microsoft.com/office/powerpoint/2010/main" val="2768835027"/>
+        <p14:creationId xmlns:p14="http://schemas.microsoft.com/office/powerpoint/2010/main" val="464110902"/>
       </p:ext>
     </p:extLst>
   </p:cSld>
   <p:clrMapOvr>
     <a:masterClrMapping/>
   </p:clrMapOvr>
-</p:sld>
-</file>
-
-<file path=ppt/slides/slide9.xml><?xml version="1.0" encoding="utf-8"?>
-<p:sld xmlns:a="http://schemas.openxmlformats.org/drawingml/2006/main" xmlns:r="http://schemas.openxmlformats.org/officeDocument/2006/relationships" xmlns:p="http://schemas.openxmlformats.org/presentationml/2006/main">
-  <p:cSld>
-    <p:spTree>
-      <p:nvGrpSpPr>
-        <p:cNvPr id="1" name=""/>
-        <p:cNvGrpSpPr/>
-        <p:nvPr/>
-      </p:nvGrpSpPr>
-      <p:grpSpPr>
-        <a:xfrm>
-          <a:off x="0" y="0"/>
-          <a:ext cx="0" cy="0"/>
-          <a:chOff x="0" y="0"/>
-          <a:chExt cx="0" cy="0"/>
-        </a:xfrm>
-      </p:grpSpPr>
-      <p:sp>
-        <p:nvSpPr>
-          <p:cNvPr id="6" name="Title 1">
-            <a:extLst>
-              <a:ext uri="{FF2B5EF4-FFF2-40B4-BE49-F238E27FC236}">
-                <a16:creationId xmlns:a16="http://schemas.microsoft.com/office/drawing/2014/main" id="{49D9FFD8-B195-9D9F-AD89-B5CB4A614A2C}"/>
-              </a:ext>
-            </a:extLst>
-          </p:cNvPr>
-          <p:cNvSpPr>
-            <a:spLocks noGrp="1"/>
-          </p:cNvSpPr>
-          <p:nvPr>
-            <p:ph type="title"/>
-          </p:nvPr>
-        </p:nvSpPr>
-        <p:spPr>
-          <a:xfrm>
-            <a:off x="960120" y="317814"/>
-            <a:ext cx="10268712" cy="1700784"/>
-          </a:xfrm>
-        </p:spPr>
-        <p:txBody>
-          <a:bodyPr/>
-          <a:lstStyle/>
-          <a:p>
-            <a:r>
-              <a:rPr lang="en-US" err="1"/>
-              <a:t>Циклический</a:t>
-            </a:r>
-            <a:r>
-              <a:rPr lang="en-US"/>
-              <a:t> </a:t>
-            </a:r>
-            <a:r>
-              <a:rPr lang="en-US" err="1"/>
-              <a:t>режим</a:t>
-            </a:r>
-          </a:p>
-        </p:txBody>
-      </p:sp>
-      <p:pic>
-        <p:nvPicPr>
-          <p:cNvPr id="3" name="Рисунок 2" descr="Изображение выглядит как линия, диаграмма, График, Параллельный&#10;&#10;Автоматически созданное описание">
-            <a:extLst>
-              <a:ext uri="{FF2B5EF4-FFF2-40B4-BE49-F238E27FC236}">
-                <a16:creationId xmlns:a16="http://schemas.microsoft.com/office/drawing/2014/main" id="{203161F2-3174-18DB-7DCA-8195EDF83186}"/>
-              </a:ext>
-            </a:extLst>
-          </p:cNvPr>
-          <p:cNvPicPr>
-            <a:picLocks noChangeAspect="1"/>
-          </p:cNvPicPr>
-          <p:nvPr/>
-        </p:nvPicPr>
-        <p:blipFill>
-          <a:blip r:embed="rId2"/>
-          <a:srcRect l="5856" r="-147" b="195"/>
-          <a:stretch/>
-        </p:blipFill>
-        <p:spPr>
-          <a:xfrm>
-            <a:off x="3258033" y="2382838"/>
-            <a:ext cx="5664293" cy="4477731"/>
-          </a:xfrm>
-          <a:prstGeom prst="rect">
-            <a:avLst/>
-          </a:prstGeom>
-        </p:spPr>
-      </p:pic>
-      <p:sp>
-        <p:nvSpPr>
-          <p:cNvPr id="2" name="Номер слайда 1">
-            <a:extLst>
-              <a:ext uri="{FF2B5EF4-FFF2-40B4-BE49-F238E27FC236}">
-                <a16:creationId xmlns:a16="http://schemas.microsoft.com/office/drawing/2014/main" id="{1CB6B6F3-B6EB-9E52-7B67-68D829408FAC}"/>
-              </a:ext>
-            </a:extLst>
-          </p:cNvPr>
-          <p:cNvSpPr>
-            <a:spLocks noGrp="1"/>
-          </p:cNvSpPr>
-          <p:nvPr>
-            <p:ph type="sldNum" sz="quarter" idx="12"/>
-          </p:nvPr>
-        </p:nvSpPr>
-        <p:spPr/>
-        <p:txBody>
-          <a:bodyPr/>
-          <a:lstStyle/>
-          <a:p>
-            <a:pPr algn="l"/>
-            <a:fld id="{F97E8200-1950-409B-82E7-99938E7AE355}" type="slidenum">
-              <a:rPr lang="en-US" smtClean="0"/>
-              <a:pPr algn="l"/>
-              <a:t>9</a:t>
-            </a:fld>
-            <a:endParaRPr lang="en-US" dirty="0"/>
-          </a:p>
-        </p:txBody>
-      </p:sp>
-    </p:spTree>
-    <p:extLst>
-      <p:ext uri="{BB962C8B-B14F-4D97-AF65-F5344CB8AC3E}">
-        <p14:creationId xmlns:p14="http://schemas.microsoft.com/office/powerpoint/2010/main" val="2471638410"/>
-      </p:ext>
-    </p:extLst>
-  </p:cSld>
-  <p:clrMapOvr>
-    <a:masterClrMapping/>
-  </p:clrMapOvr>
+  <mc:AlternateContent xmlns:mc="http://schemas.openxmlformats.org/markup-compatibility/2006">
+    <mc:Choice xmlns:p14="http://schemas.microsoft.com/office/powerpoint/2010/main" Requires="p14">
+      <p:transition p14:dur="10"/>
+    </mc:Choice>
+    <mc:Fallback>
+      <p:transition/>
+    </mc:Fallback>
+  </mc:AlternateContent>
 </p:sld>
 </file>
 
